--- a/images/coordinate_grids/Presentation1.pptx
+++ b/images/coordinate_grids/Presentation1.pptx
@@ -9,6 +9,7 @@
     <p:sldId id="257" r:id="rId3"/>
     <p:sldId id="258" r:id="rId4"/>
     <p:sldId id="259" r:id="rId5"/>
+    <p:sldId id="260" r:id="rId6"/>
   </p:sldIdLst>
   <p:sldSz cx="12192000" cy="6858000"/>
   <p:notesSz cx="6858000" cy="9144000"/>
@@ -116,6 +117,7 @@
             <p14:sldId id="257"/>
             <p14:sldId id="258"/>
             <p14:sldId id="259"/>
+            <p14:sldId id="260"/>
           </p14:sldIdLst>
         </p14:section>
       </p14:sectionLst>
@@ -274,7 +276,7 @@
           <a:p>
             <a:fld id="{165386A8-AF9F-7E40-A1FF-AF0D5444A8FE}" type="datetimeFigureOut">
               <a:rPr lang="en-US" smtClean="0"/>
-              <a:t>6/19/19</a:t>
+              <a:t>7/17/19</a:t>
             </a:fld>
             <a:endParaRPr lang="en-US"/>
           </a:p>
@@ -472,7 +474,7 @@
           <a:p>
             <a:fld id="{165386A8-AF9F-7E40-A1FF-AF0D5444A8FE}" type="datetimeFigureOut">
               <a:rPr lang="en-US" smtClean="0"/>
-              <a:t>6/19/19</a:t>
+              <a:t>7/17/19</a:t>
             </a:fld>
             <a:endParaRPr lang="en-US"/>
           </a:p>
@@ -680,7 +682,7 @@
           <a:p>
             <a:fld id="{165386A8-AF9F-7E40-A1FF-AF0D5444A8FE}" type="datetimeFigureOut">
               <a:rPr lang="en-US" smtClean="0"/>
-              <a:t>6/19/19</a:t>
+              <a:t>7/17/19</a:t>
             </a:fld>
             <a:endParaRPr lang="en-US"/>
           </a:p>
@@ -878,7 +880,7 @@
           <a:p>
             <a:fld id="{165386A8-AF9F-7E40-A1FF-AF0D5444A8FE}" type="datetimeFigureOut">
               <a:rPr lang="en-US" smtClean="0"/>
-              <a:t>6/19/19</a:t>
+              <a:t>7/17/19</a:t>
             </a:fld>
             <a:endParaRPr lang="en-US"/>
           </a:p>
@@ -1153,7 +1155,7 @@
           <a:p>
             <a:fld id="{165386A8-AF9F-7E40-A1FF-AF0D5444A8FE}" type="datetimeFigureOut">
               <a:rPr lang="en-US" smtClean="0"/>
-              <a:t>6/19/19</a:t>
+              <a:t>7/17/19</a:t>
             </a:fld>
             <a:endParaRPr lang="en-US"/>
           </a:p>
@@ -1418,7 +1420,7 @@
           <a:p>
             <a:fld id="{165386A8-AF9F-7E40-A1FF-AF0D5444A8FE}" type="datetimeFigureOut">
               <a:rPr lang="en-US" smtClean="0"/>
-              <a:t>6/19/19</a:t>
+              <a:t>7/17/19</a:t>
             </a:fld>
             <a:endParaRPr lang="en-US"/>
           </a:p>
@@ -1830,7 +1832,7 @@
           <a:p>
             <a:fld id="{165386A8-AF9F-7E40-A1FF-AF0D5444A8FE}" type="datetimeFigureOut">
               <a:rPr lang="en-US" smtClean="0"/>
-              <a:t>6/19/19</a:t>
+              <a:t>7/17/19</a:t>
             </a:fld>
             <a:endParaRPr lang="en-US"/>
           </a:p>
@@ -1971,7 +1973,7 @@
           <a:p>
             <a:fld id="{165386A8-AF9F-7E40-A1FF-AF0D5444A8FE}" type="datetimeFigureOut">
               <a:rPr lang="en-US" smtClean="0"/>
-              <a:t>6/19/19</a:t>
+              <a:t>7/17/19</a:t>
             </a:fld>
             <a:endParaRPr lang="en-US"/>
           </a:p>
@@ -2084,7 +2086,7 @@
           <a:p>
             <a:fld id="{165386A8-AF9F-7E40-A1FF-AF0D5444A8FE}" type="datetimeFigureOut">
               <a:rPr lang="en-US" smtClean="0"/>
-              <a:t>6/19/19</a:t>
+              <a:t>7/17/19</a:t>
             </a:fld>
             <a:endParaRPr lang="en-US"/>
           </a:p>
@@ -2395,7 +2397,7 @@
           <a:p>
             <a:fld id="{165386A8-AF9F-7E40-A1FF-AF0D5444A8FE}" type="datetimeFigureOut">
               <a:rPr lang="en-US" smtClean="0"/>
-              <a:t>6/19/19</a:t>
+              <a:t>7/17/19</a:t>
             </a:fld>
             <a:endParaRPr lang="en-US"/>
           </a:p>
@@ -2683,7 +2685,7 @@
           <a:p>
             <a:fld id="{165386A8-AF9F-7E40-A1FF-AF0D5444A8FE}" type="datetimeFigureOut">
               <a:rPr lang="en-US" smtClean="0"/>
-              <a:t>6/19/19</a:t>
+              <a:t>7/17/19</a:t>
             </a:fld>
             <a:endParaRPr lang="en-US"/>
           </a:p>
@@ -2924,7 +2926,7 @@
           <a:p>
             <a:fld id="{165386A8-AF9F-7E40-A1FF-AF0D5444A8FE}" type="datetimeFigureOut">
               <a:rPr lang="en-US" smtClean="0"/>
-              <a:t>6/19/19</a:t>
+              <a:t>7/17/19</a:t>
             </a:fld>
             <a:endParaRPr lang="en-US"/>
           </a:p>
@@ -4775,6 +4777,869 @@
 </p:sld>
 </file>
 
+<file path=ppt/slides/slide5.xml><?xml version="1.0" encoding="utf-8"?>
+<p:sld xmlns:a="http://schemas.openxmlformats.org/drawingml/2006/main" xmlns:r="http://schemas.openxmlformats.org/officeDocument/2006/relationships" xmlns:p="http://schemas.openxmlformats.org/presentationml/2006/main">
+  <p:cSld>
+    <p:spTree>
+      <p:nvGrpSpPr>
+        <p:cNvPr id="1" name=""/>
+        <p:cNvGrpSpPr/>
+        <p:nvPr/>
+      </p:nvGrpSpPr>
+      <p:grpSpPr>
+        <a:xfrm>
+          <a:off x="0" y="0"/>
+          <a:ext cx="0" cy="0"/>
+          <a:chOff x="0" y="0"/>
+          <a:chExt cx="0" cy="0"/>
+        </a:xfrm>
+      </p:grpSpPr>
+      <p:grpSp>
+        <p:nvGrpSpPr>
+          <p:cNvPr id="48" name="Group 47">
+            <a:extLst>
+              <a:ext uri="{FF2B5EF4-FFF2-40B4-BE49-F238E27FC236}">
+                <a16:creationId xmlns:a16="http://schemas.microsoft.com/office/drawing/2014/main" id="{D3629347-343E-5644-A67D-389311980C24}"/>
+              </a:ext>
+            </a:extLst>
+          </p:cNvPr>
+          <p:cNvGrpSpPr/>
+          <p:nvPr/>
+        </p:nvGrpSpPr>
+        <p:grpSpPr>
+          <a:xfrm>
+            <a:off x="1506828" y="702411"/>
+            <a:ext cx="8186673" cy="4145970"/>
+            <a:chOff x="1506828" y="702411"/>
+            <a:chExt cx="8186673" cy="4145970"/>
+          </a:xfrm>
+        </p:grpSpPr>
+        <p:cxnSp>
+          <p:nvCxnSpPr>
+            <p:cNvPr id="5" name="Straight Arrow Connector 4">
+              <a:extLst>
+                <a:ext uri="{FF2B5EF4-FFF2-40B4-BE49-F238E27FC236}">
+                  <a16:creationId xmlns:a16="http://schemas.microsoft.com/office/drawing/2014/main" id="{DBE86B81-1FEC-1345-84EB-D3763D70CCC2}"/>
+                </a:ext>
+              </a:extLst>
+            </p:cNvPr>
+            <p:cNvCxnSpPr>
+              <a:cxnSpLocks/>
+            </p:cNvCxnSpPr>
+            <p:nvPr/>
+          </p:nvCxnSpPr>
+          <p:spPr>
+            <a:xfrm flipV="1">
+              <a:off x="3245476" y="811369"/>
+              <a:ext cx="0" cy="3786390"/>
+            </a:xfrm>
+            <a:prstGeom prst="straightConnector1">
+              <a:avLst/>
+            </a:prstGeom>
+            <a:ln>
+              <a:tailEnd type="triangle"/>
+            </a:ln>
+          </p:spPr>
+          <p:style>
+            <a:lnRef idx="1">
+              <a:schemeClr val="dk1"/>
+            </a:lnRef>
+            <a:fillRef idx="0">
+              <a:schemeClr val="dk1"/>
+            </a:fillRef>
+            <a:effectRef idx="0">
+              <a:schemeClr val="dk1"/>
+            </a:effectRef>
+            <a:fontRef idx="minor">
+              <a:schemeClr val="tx1"/>
+            </a:fontRef>
+          </p:style>
+        </p:cxnSp>
+        <p:cxnSp>
+          <p:nvCxnSpPr>
+            <p:cNvPr id="6" name="Straight Arrow Connector 5">
+              <a:extLst>
+                <a:ext uri="{FF2B5EF4-FFF2-40B4-BE49-F238E27FC236}">
+                  <a16:creationId xmlns:a16="http://schemas.microsoft.com/office/drawing/2014/main" id="{DA95F696-70A0-F340-9BA3-044561EB39CC}"/>
+                </a:ext>
+              </a:extLst>
+            </p:cNvPr>
+            <p:cNvCxnSpPr>
+              <a:cxnSpLocks/>
+            </p:cNvCxnSpPr>
+            <p:nvPr/>
+          </p:nvCxnSpPr>
+          <p:spPr>
+            <a:xfrm>
+              <a:off x="1506828" y="2775397"/>
+              <a:ext cx="3734873" cy="1"/>
+            </a:xfrm>
+            <a:prstGeom prst="straightConnector1">
+              <a:avLst/>
+            </a:prstGeom>
+            <a:ln>
+              <a:tailEnd type="triangle"/>
+            </a:ln>
+          </p:spPr>
+          <p:style>
+            <a:lnRef idx="1">
+              <a:schemeClr val="dk1"/>
+            </a:lnRef>
+            <a:fillRef idx="0">
+              <a:schemeClr val="dk1"/>
+            </a:fillRef>
+            <a:effectRef idx="0">
+              <a:schemeClr val="dk1"/>
+            </a:effectRef>
+            <a:fontRef idx="minor">
+              <a:schemeClr val="tx1"/>
+            </a:fontRef>
+          </p:style>
+        </p:cxnSp>
+        <p:sp>
+          <p:nvSpPr>
+            <p:cNvPr id="13" name="Donut 12">
+              <a:extLst>
+                <a:ext uri="{FF2B5EF4-FFF2-40B4-BE49-F238E27FC236}">
+                  <a16:creationId xmlns:a16="http://schemas.microsoft.com/office/drawing/2014/main" id="{87A42BEB-5E2E-D94B-A937-73CB96DA9A98}"/>
+                </a:ext>
+              </a:extLst>
+            </p:cNvPr>
+            <p:cNvSpPr/>
+            <p:nvPr/>
+          </p:nvSpPr>
+          <p:spPr>
+            <a:xfrm>
+              <a:off x="2698123" y="2207116"/>
+              <a:ext cx="1094705" cy="1136561"/>
+            </a:xfrm>
+            <a:prstGeom prst="donut">
+              <a:avLst>
+                <a:gd name="adj" fmla="val 0"/>
+              </a:avLst>
+            </a:prstGeom>
+          </p:spPr>
+          <p:style>
+            <a:lnRef idx="2">
+              <a:schemeClr val="dk1">
+                <a:shade val="50000"/>
+              </a:schemeClr>
+            </a:lnRef>
+            <a:fillRef idx="1">
+              <a:schemeClr val="dk1"/>
+            </a:fillRef>
+            <a:effectRef idx="0">
+              <a:schemeClr val="dk1"/>
+            </a:effectRef>
+            <a:fontRef idx="minor">
+              <a:schemeClr val="lt1"/>
+            </a:fontRef>
+          </p:style>
+          <p:txBody>
+            <a:bodyPr rtlCol="0" anchor="ctr"/>
+            <a:lstStyle/>
+            <a:p>
+              <a:pPr algn="ctr"/>
+              <a:endParaRPr lang="en-US">
+                <a:solidFill>
+                  <a:schemeClr val="tx1"/>
+                </a:solidFill>
+              </a:endParaRPr>
+            </a:p>
+          </p:txBody>
+        </p:sp>
+        <p:sp>
+          <p:nvSpPr>
+            <p:cNvPr id="14" name="Donut 13">
+              <a:extLst>
+                <a:ext uri="{FF2B5EF4-FFF2-40B4-BE49-F238E27FC236}">
+                  <a16:creationId xmlns:a16="http://schemas.microsoft.com/office/drawing/2014/main" id="{5C3550CC-1C5D-A34C-973F-7E07A83B3048}"/>
+                </a:ext>
+              </a:extLst>
+            </p:cNvPr>
+            <p:cNvSpPr/>
+            <p:nvPr/>
+          </p:nvSpPr>
+          <p:spPr>
+            <a:xfrm>
+              <a:off x="2303174" y="1851628"/>
+              <a:ext cx="1884604" cy="1847538"/>
+            </a:xfrm>
+            <a:prstGeom prst="donut">
+              <a:avLst>
+                <a:gd name="adj" fmla="val 0"/>
+              </a:avLst>
+            </a:prstGeom>
+          </p:spPr>
+          <p:style>
+            <a:lnRef idx="2">
+              <a:schemeClr val="dk1">
+                <a:shade val="50000"/>
+              </a:schemeClr>
+            </a:lnRef>
+            <a:fillRef idx="1">
+              <a:schemeClr val="dk1"/>
+            </a:fillRef>
+            <a:effectRef idx="0">
+              <a:schemeClr val="dk1"/>
+            </a:effectRef>
+            <a:fontRef idx="minor">
+              <a:schemeClr val="lt1"/>
+            </a:fontRef>
+          </p:style>
+          <p:txBody>
+            <a:bodyPr rtlCol="0" anchor="ctr"/>
+            <a:lstStyle/>
+            <a:p>
+              <a:pPr algn="ctr"/>
+              <a:endParaRPr lang="en-US">
+                <a:solidFill>
+                  <a:schemeClr val="tx1"/>
+                </a:solidFill>
+              </a:endParaRPr>
+            </a:p>
+          </p:txBody>
+        </p:sp>
+        <p:sp>
+          <p:nvSpPr>
+            <p:cNvPr id="15" name="Donut 14">
+              <a:extLst>
+                <a:ext uri="{FF2B5EF4-FFF2-40B4-BE49-F238E27FC236}">
+                  <a16:creationId xmlns:a16="http://schemas.microsoft.com/office/drawing/2014/main" id="{F5540AF0-FC8B-3B4C-A41F-B648CE9DAA03}"/>
+                </a:ext>
+              </a:extLst>
+            </p:cNvPr>
+            <p:cNvSpPr/>
+            <p:nvPr/>
+          </p:nvSpPr>
+          <p:spPr>
+            <a:xfrm>
+              <a:off x="1873881" y="1455314"/>
+              <a:ext cx="2743190" cy="2627289"/>
+            </a:xfrm>
+            <a:prstGeom prst="donut">
+              <a:avLst>
+                <a:gd name="adj" fmla="val 0"/>
+              </a:avLst>
+            </a:prstGeom>
+          </p:spPr>
+          <p:style>
+            <a:lnRef idx="2">
+              <a:schemeClr val="dk1">
+                <a:shade val="50000"/>
+              </a:schemeClr>
+            </a:lnRef>
+            <a:fillRef idx="1">
+              <a:schemeClr val="dk1"/>
+            </a:fillRef>
+            <a:effectRef idx="0">
+              <a:schemeClr val="dk1"/>
+            </a:effectRef>
+            <a:fontRef idx="minor">
+              <a:schemeClr val="lt1"/>
+            </a:fontRef>
+          </p:style>
+          <p:txBody>
+            <a:bodyPr rtlCol="0" anchor="ctr"/>
+            <a:lstStyle/>
+            <a:p>
+              <a:pPr algn="ctr"/>
+              <a:endParaRPr lang="en-US">
+                <a:solidFill>
+                  <a:schemeClr val="tx1"/>
+                </a:solidFill>
+              </a:endParaRPr>
+            </a:p>
+          </p:txBody>
+        </p:sp>
+        <p:pic>
+          <p:nvPicPr>
+            <p:cNvPr id="16" name="Picture 15">
+              <a:extLst>
+                <a:ext uri="{FF2B5EF4-FFF2-40B4-BE49-F238E27FC236}">
+                  <a16:creationId xmlns:a16="http://schemas.microsoft.com/office/drawing/2014/main" id="{2D8FB459-77FB-BA4A-9A21-5998D334DDB5}"/>
+                </a:ext>
+              </a:extLst>
+            </p:cNvPr>
+            <p:cNvPicPr>
+              <a:picLocks noChangeAspect="1"/>
+            </p:cNvPicPr>
+            <p:nvPr/>
+          </p:nvPicPr>
+          <p:blipFill>
+            <a:blip r:embed="rId2"/>
+            <a:stretch>
+              <a:fillRect/>
+            </a:stretch>
+          </p:blipFill>
+          <p:spPr>
+            <a:xfrm>
+              <a:off x="1873881" y="1164488"/>
+              <a:ext cx="304800" cy="330200"/>
+            </a:xfrm>
+            <a:prstGeom prst="rect">
+              <a:avLst/>
+            </a:prstGeom>
+          </p:spPr>
+        </p:pic>
+        <p:cxnSp>
+          <p:nvCxnSpPr>
+            <p:cNvPr id="17" name="Straight Arrow Connector 16">
+              <a:extLst>
+                <a:ext uri="{FF2B5EF4-FFF2-40B4-BE49-F238E27FC236}">
+                  <a16:creationId xmlns:a16="http://schemas.microsoft.com/office/drawing/2014/main" id="{4D6DAA71-9FB5-2E4A-A6DF-5291E98CE445}"/>
+                </a:ext>
+              </a:extLst>
+            </p:cNvPr>
+            <p:cNvCxnSpPr>
+              <a:cxnSpLocks/>
+              <a:endCxn id="15" idx="7"/>
+            </p:cNvCxnSpPr>
+            <p:nvPr/>
+          </p:nvCxnSpPr>
+          <p:spPr>
+            <a:xfrm flipV="1">
+              <a:off x="3245475" y="1840072"/>
+              <a:ext cx="969865" cy="928886"/>
+            </a:xfrm>
+            <a:prstGeom prst="straightConnector1">
+              <a:avLst/>
+            </a:prstGeom>
+            <a:ln>
+              <a:tailEnd type="triangle"/>
+            </a:ln>
+          </p:spPr>
+          <p:style>
+            <a:lnRef idx="1">
+              <a:schemeClr val="dk1"/>
+            </a:lnRef>
+            <a:fillRef idx="0">
+              <a:schemeClr val="dk1"/>
+            </a:fillRef>
+            <a:effectRef idx="0">
+              <a:schemeClr val="dk1"/>
+            </a:effectRef>
+            <a:fontRef idx="minor">
+              <a:schemeClr val="tx1"/>
+            </a:fontRef>
+          </p:style>
+        </p:cxnSp>
+        <p:cxnSp>
+          <p:nvCxnSpPr>
+            <p:cNvPr id="20" name="Straight Arrow Connector 19">
+              <a:extLst>
+                <a:ext uri="{FF2B5EF4-FFF2-40B4-BE49-F238E27FC236}">
+                  <a16:creationId xmlns:a16="http://schemas.microsoft.com/office/drawing/2014/main" id="{21588480-FE35-0E4D-9F27-8E65081F98B0}"/>
+                </a:ext>
+              </a:extLst>
+            </p:cNvPr>
+            <p:cNvCxnSpPr>
+              <a:cxnSpLocks/>
+            </p:cNvCxnSpPr>
+            <p:nvPr/>
+          </p:nvCxnSpPr>
+          <p:spPr>
+            <a:xfrm flipH="1" flipV="1">
+              <a:off x="3612530" y="1278590"/>
+              <a:ext cx="606370" cy="557383"/>
+            </a:xfrm>
+            <a:prstGeom prst="straightConnector1">
+              <a:avLst/>
+            </a:prstGeom>
+            <a:ln>
+              <a:tailEnd type="triangle"/>
+            </a:ln>
+          </p:spPr>
+          <p:style>
+            <a:lnRef idx="1">
+              <a:schemeClr val="dk1"/>
+            </a:lnRef>
+            <a:fillRef idx="0">
+              <a:schemeClr val="dk1"/>
+            </a:fillRef>
+            <a:effectRef idx="0">
+              <a:schemeClr val="dk1"/>
+            </a:effectRef>
+            <a:fontRef idx="minor">
+              <a:schemeClr val="tx1"/>
+            </a:fontRef>
+          </p:style>
+        </p:cxnSp>
+        <p:sp>
+          <p:nvSpPr>
+            <p:cNvPr id="23" name="TextBox 22">
+              <a:extLst>
+                <a:ext uri="{FF2B5EF4-FFF2-40B4-BE49-F238E27FC236}">
+                  <a16:creationId xmlns:a16="http://schemas.microsoft.com/office/drawing/2014/main" id="{1A12D00B-E36D-224F-88A9-6147C02F782F}"/>
+                </a:ext>
+              </a:extLst>
+            </p:cNvPr>
+            <p:cNvSpPr txBox="1"/>
+            <p:nvPr/>
+          </p:nvSpPr>
+          <p:spPr>
+            <a:xfrm>
+              <a:off x="3356593" y="979822"/>
+              <a:ext cx="720069" cy="369332"/>
+            </a:xfrm>
+            <a:prstGeom prst="rect">
+              <a:avLst/>
+            </a:prstGeom>
+            <a:noFill/>
+          </p:spPr>
+          <p:txBody>
+            <a:bodyPr wrap="none" rtlCol="0">
+              <a:spAutoFit/>
+            </a:bodyPr>
+            <a:lstStyle/>
+            <a:p>
+              <a:r>
+                <a:rPr lang="en-US" dirty="0"/>
+                <a:t>space</a:t>
+              </a:r>
+            </a:p>
+          </p:txBody>
+        </p:sp>
+        <p:sp>
+          <p:nvSpPr>
+            <p:cNvPr id="24" name="TextBox 23">
+              <a:extLst>
+                <a:ext uri="{FF2B5EF4-FFF2-40B4-BE49-F238E27FC236}">
+                  <a16:creationId xmlns:a16="http://schemas.microsoft.com/office/drawing/2014/main" id="{E4D125BD-4C53-D546-A5CC-C2B9DF4A69F6}"/>
+                </a:ext>
+              </a:extLst>
+            </p:cNvPr>
+            <p:cNvSpPr txBox="1"/>
+            <p:nvPr/>
+          </p:nvSpPr>
+          <p:spPr>
+            <a:xfrm>
+              <a:off x="3903364" y="1944181"/>
+              <a:ext cx="614271" cy="369332"/>
+            </a:xfrm>
+            <a:prstGeom prst="rect">
+              <a:avLst/>
+            </a:prstGeom>
+            <a:noFill/>
+          </p:spPr>
+          <p:txBody>
+            <a:bodyPr wrap="none" rtlCol="0">
+              <a:spAutoFit/>
+            </a:bodyPr>
+            <a:lstStyle/>
+            <a:p>
+              <a:r>
+                <a:rPr lang="en-US" dirty="0"/>
+                <a:t>time</a:t>
+              </a:r>
+            </a:p>
+          </p:txBody>
+        </p:sp>
+        <p:sp>
+          <p:nvSpPr>
+            <p:cNvPr id="25" name="Can 24">
+              <a:extLst>
+                <a:ext uri="{FF2B5EF4-FFF2-40B4-BE49-F238E27FC236}">
+                  <a16:creationId xmlns:a16="http://schemas.microsoft.com/office/drawing/2014/main" id="{1A934784-6DFB-A548-A5B2-A650ED3DB4BE}"/>
+                </a:ext>
+              </a:extLst>
+            </p:cNvPr>
+            <p:cNvSpPr/>
+            <p:nvPr/>
+          </p:nvSpPr>
+          <p:spPr>
+            <a:xfrm>
+              <a:off x="6950301" y="702411"/>
+              <a:ext cx="2743200" cy="4145970"/>
+            </a:xfrm>
+            <a:prstGeom prst="can">
+              <a:avLst/>
+            </a:prstGeom>
+          </p:spPr>
+          <p:style>
+            <a:lnRef idx="2">
+              <a:schemeClr val="dk1"/>
+            </a:lnRef>
+            <a:fillRef idx="1">
+              <a:schemeClr val="lt1"/>
+            </a:fillRef>
+            <a:effectRef idx="0">
+              <a:schemeClr val="dk1"/>
+            </a:effectRef>
+            <a:fontRef idx="minor">
+              <a:schemeClr val="dk1"/>
+            </a:fontRef>
+          </p:style>
+          <p:txBody>
+            <a:bodyPr rtlCol="0" anchor="ctr"/>
+            <a:lstStyle/>
+            <a:p>
+              <a:pPr algn="ctr"/>
+              <a:endParaRPr lang="en-US"/>
+            </a:p>
+          </p:txBody>
+        </p:sp>
+        <p:sp>
+          <p:nvSpPr>
+            <p:cNvPr id="27" name="Oval 26">
+              <a:extLst>
+                <a:ext uri="{FF2B5EF4-FFF2-40B4-BE49-F238E27FC236}">
+                  <a16:creationId xmlns:a16="http://schemas.microsoft.com/office/drawing/2014/main" id="{99F4E731-D061-5845-92F4-35DB1C41E8AC}"/>
+                </a:ext>
+              </a:extLst>
+            </p:cNvPr>
+            <p:cNvSpPr/>
+            <p:nvPr/>
+          </p:nvSpPr>
+          <p:spPr>
+            <a:xfrm>
+              <a:off x="6950301" y="2392506"/>
+              <a:ext cx="2743200" cy="752903"/>
+            </a:xfrm>
+            <a:prstGeom prst="ellipse">
+              <a:avLst/>
+            </a:prstGeom>
+          </p:spPr>
+          <p:style>
+            <a:lnRef idx="2">
+              <a:schemeClr val="dk1"/>
+            </a:lnRef>
+            <a:fillRef idx="1">
+              <a:schemeClr val="lt1"/>
+            </a:fillRef>
+            <a:effectRef idx="0">
+              <a:schemeClr val="dk1"/>
+            </a:effectRef>
+            <a:fontRef idx="minor">
+              <a:schemeClr val="dk1"/>
+            </a:fontRef>
+          </p:style>
+          <p:txBody>
+            <a:bodyPr rtlCol="0" anchor="ctr"/>
+            <a:lstStyle/>
+            <a:p>
+              <a:pPr algn="ctr"/>
+              <a:endParaRPr lang="en-US"/>
+            </a:p>
+          </p:txBody>
+        </p:sp>
+        <p:cxnSp>
+          <p:nvCxnSpPr>
+            <p:cNvPr id="28" name="Straight Arrow Connector 27">
+              <a:extLst>
+                <a:ext uri="{FF2B5EF4-FFF2-40B4-BE49-F238E27FC236}">
+                  <a16:creationId xmlns:a16="http://schemas.microsoft.com/office/drawing/2014/main" id="{839B14AE-79A6-0245-A24B-D88B023B2DFD}"/>
+                </a:ext>
+              </a:extLst>
+            </p:cNvPr>
+            <p:cNvCxnSpPr>
+              <a:cxnSpLocks/>
+              <a:stCxn id="27" idx="2"/>
+            </p:cNvCxnSpPr>
+            <p:nvPr/>
+          </p:nvCxnSpPr>
+          <p:spPr>
+            <a:xfrm flipV="1">
+              <a:off x="6950301" y="1944181"/>
+              <a:ext cx="0" cy="824777"/>
+            </a:xfrm>
+            <a:prstGeom prst="straightConnector1">
+              <a:avLst/>
+            </a:prstGeom>
+            <a:ln>
+              <a:tailEnd type="triangle"/>
+            </a:ln>
+          </p:spPr>
+          <p:style>
+            <a:lnRef idx="1">
+              <a:schemeClr val="dk1"/>
+            </a:lnRef>
+            <a:fillRef idx="0">
+              <a:schemeClr val="dk1"/>
+            </a:fillRef>
+            <a:effectRef idx="0">
+              <a:schemeClr val="dk1"/>
+            </a:effectRef>
+            <a:fontRef idx="minor">
+              <a:schemeClr val="tx1"/>
+            </a:fontRef>
+          </p:style>
+        </p:cxnSp>
+        <p:cxnSp>
+          <p:nvCxnSpPr>
+            <p:cNvPr id="32" name="Straight Arrow Connector 31">
+              <a:extLst>
+                <a:ext uri="{FF2B5EF4-FFF2-40B4-BE49-F238E27FC236}">
+                  <a16:creationId xmlns:a16="http://schemas.microsoft.com/office/drawing/2014/main" id="{D4FF8974-8D65-DE42-9769-AE674EE037F3}"/>
+                </a:ext>
+              </a:extLst>
+            </p:cNvPr>
+            <p:cNvCxnSpPr>
+              <a:cxnSpLocks/>
+            </p:cNvCxnSpPr>
+            <p:nvPr/>
+          </p:nvCxnSpPr>
+          <p:spPr>
+            <a:xfrm>
+              <a:off x="8233393" y="3145937"/>
+              <a:ext cx="1168184" cy="0"/>
+            </a:xfrm>
+            <a:prstGeom prst="straightConnector1">
+              <a:avLst/>
+            </a:prstGeom>
+            <a:ln>
+              <a:tailEnd type="triangle"/>
+            </a:ln>
+          </p:spPr>
+          <p:style>
+            <a:lnRef idx="1">
+              <a:schemeClr val="dk1"/>
+            </a:lnRef>
+            <a:fillRef idx="0">
+              <a:schemeClr val="dk1"/>
+            </a:fillRef>
+            <a:effectRef idx="0">
+              <a:schemeClr val="dk1"/>
+            </a:effectRef>
+            <a:fontRef idx="minor">
+              <a:schemeClr val="tx1"/>
+            </a:fontRef>
+          </p:style>
+        </p:cxnSp>
+        <p:sp>
+          <p:nvSpPr>
+            <p:cNvPr id="40" name="TextBox 39">
+              <a:extLst>
+                <a:ext uri="{FF2B5EF4-FFF2-40B4-BE49-F238E27FC236}">
+                  <a16:creationId xmlns:a16="http://schemas.microsoft.com/office/drawing/2014/main" id="{BEB906F3-8F8E-1146-B6CF-F83570EC6D5C}"/>
+                </a:ext>
+              </a:extLst>
+            </p:cNvPr>
+            <p:cNvSpPr txBox="1"/>
+            <p:nvPr/>
+          </p:nvSpPr>
+          <p:spPr>
+            <a:xfrm>
+              <a:off x="6992817" y="1774925"/>
+              <a:ext cx="614271" cy="369332"/>
+            </a:xfrm>
+            <a:prstGeom prst="rect">
+              <a:avLst/>
+            </a:prstGeom>
+            <a:noFill/>
+          </p:spPr>
+          <p:txBody>
+            <a:bodyPr wrap="none" rtlCol="0">
+              <a:spAutoFit/>
+            </a:bodyPr>
+            <a:lstStyle/>
+            <a:p>
+              <a:r>
+                <a:rPr lang="en-US" dirty="0"/>
+                <a:t>time</a:t>
+              </a:r>
+            </a:p>
+          </p:txBody>
+        </p:sp>
+        <p:sp>
+          <p:nvSpPr>
+            <p:cNvPr id="41" name="TextBox 40">
+              <a:extLst>
+                <a:ext uri="{FF2B5EF4-FFF2-40B4-BE49-F238E27FC236}">
+                  <a16:creationId xmlns:a16="http://schemas.microsoft.com/office/drawing/2014/main" id="{D6265586-2EF2-D848-8C3D-EABA100364E3}"/>
+                </a:ext>
+              </a:extLst>
+            </p:cNvPr>
+            <p:cNvSpPr txBox="1"/>
+            <p:nvPr/>
+          </p:nvSpPr>
+          <p:spPr>
+            <a:xfrm>
+              <a:off x="8478935" y="3244334"/>
+              <a:ext cx="720069" cy="369332"/>
+            </a:xfrm>
+            <a:prstGeom prst="rect">
+              <a:avLst/>
+            </a:prstGeom>
+            <a:noFill/>
+          </p:spPr>
+          <p:txBody>
+            <a:bodyPr wrap="none" rtlCol="0">
+              <a:spAutoFit/>
+            </a:bodyPr>
+            <a:lstStyle/>
+            <a:p>
+              <a:r>
+                <a:rPr lang="en-US" dirty="0"/>
+                <a:t>space</a:t>
+              </a:r>
+            </a:p>
+          </p:txBody>
+        </p:sp>
+        <p:pic>
+          <p:nvPicPr>
+            <p:cNvPr id="42" name="Picture 41">
+              <a:extLst>
+                <a:ext uri="{FF2B5EF4-FFF2-40B4-BE49-F238E27FC236}">
+                  <a16:creationId xmlns:a16="http://schemas.microsoft.com/office/drawing/2014/main" id="{82580E3A-B7E2-2D44-8B94-B1AE4F88EBCD}"/>
+                </a:ext>
+              </a:extLst>
+            </p:cNvPr>
+            <p:cNvPicPr>
+              <a:picLocks noChangeAspect="1"/>
+            </p:cNvPicPr>
+            <p:nvPr/>
+          </p:nvPicPr>
+          <p:blipFill>
+            <a:blip r:embed="rId3"/>
+            <a:stretch>
+              <a:fillRect/>
+            </a:stretch>
+          </p:blipFill>
+          <p:spPr>
+            <a:xfrm>
+              <a:off x="4136252" y="947434"/>
+              <a:ext cx="294873" cy="294873"/>
+            </a:xfrm>
+            <a:prstGeom prst="rect">
+              <a:avLst/>
+            </a:prstGeom>
+          </p:spPr>
+        </p:pic>
+        <p:pic>
+          <p:nvPicPr>
+            <p:cNvPr id="43" name="Picture 42">
+              <a:extLst>
+                <a:ext uri="{FF2B5EF4-FFF2-40B4-BE49-F238E27FC236}">
+                  <a16:creationId xmlns:a16="http://schemas.microsoft.com/office/drawing/2014/main" id="{CD1447D1-92DC-474D-834F-6AFEC4517F57}"/>
+                </a:ext>
+              </a:extLst>
+            </p:cNvPr>
+            <p:cNvPicPr>
+              <a:picLocks noChangeAspect="1"/>
+            </p:cNvPicPr>
+            <p:nvPr/>
+          </p:nvPicPr>
+          <p:blipFill>
+            <a:blip r:embed="rId4"/>
+            <a:stretch>
+              <a:fillRect/>
+            </a:stretch>
+          </p:blipFill>
+          <p:spPr>
+            <a:xfrm>
+              <a:off x="4503301" y="1912243"/>
+              <a:ext cx="303809" cy="294873"/>
+            </a:xfrm>
+            <a:prstGeom prst="rect">
+              <a:avLst/>
+            </a:prstGeom>
+          </p:spPr>
+        </p:pic>
+        <p:pic>
+          <p:nvPicPr>
+            <p:cNvPr id="44" name="Picture 43">
+              <a:extLst>
+                <a:ext uri="{FF2B5EF4-FFF2-40B4-BE49-F238E27FC236}">
+                  <a16:creationId xmlns:a16="http://schemas.microsoft.com/office/drawing/2014/main" id="{58C76E14-134B-1540-9D55-332CBE7BEA54}"/>
+                </a:ext>
+              </a:extLst>
+            </p:cNvPr>
+            <p:cNvPicPr>
+              <a:picLocks noChangeAspect="1"/>
+            </p:cNvPicPr>
+            <p:nvPr/>
+          </p:nvPicPr>
+          <p:blipFill>
+            <a:blip r:embed="rId3"/>
+            <a:stretch>
+              <a:fillRect/>
+            </a:stretch>
+          </p:blipFill>
+          <p:spPr>
+            <a:xfrm>
+              <a:off x="9199004" y="3242066"/>
+              <a:ext cx="294873" cy="294873"/>
+            </a:xfrm>
+            <a:prstGeom prst="rect">
+              <a:avLst/>
+            </a:prstGeom>
+          </p:spPr>
+        </p:pic>
+        <p:pic>
+          <p:nvPicPr>
+            <p:cNvPr id="45" name="Picture 44">
+              <a:extLst>
+                <a:ext uri="{FF2B5EF4-FFF2-40B4-BE49-F238E27FC236}">
+                  <a16:creationId xmlns:a16="http://schemas.microsoft.com/office/drawing/2014/main" id="{5526C498-D69C-CA4F-BE20-ED3ECCC45DF3}"/>
+                </a:ext>
+              </a:extLst>
+            </p:cNvPr>
+            <p:cNvPicPr>
+              <a:picLocks noChangeAspect="1"/>
+            </p:cNvPicPr>
+            <p:nvPr/>
+          </p:nvPicPr>
+          <p:blipFill>
+            <a:blip r:embed="rId4"/>
+            <a:stretch>
+              <a:fillRect/>
+            </a:stretch>
+          </p:blipFill>
+          <p:spPr>
+            <a:xfrm>
+              <a:off x="7616355" y="1764806"/>
+              <a:ext cx="303809" cy="294873"/>
+            </a:xfrm>
+            <a:prstGeom prst="rect">
+              <a:avLst/>
+            </a:prstGeom>
+          </p:spPr>
+        </p:pic>
+        <p:pic>
+          <p:nvPicPr>
+            <p:cNvPr id="46" name="Picture 45">
+              <a:extLst>
+                <a:ext uri="{FF2B5EF4-FFF2-40B4-BE49-F238E27FC236}">
+                  <a16:creationId xmlns:a16="http://schemas.microsoft.com/office/drawing/2014/main" id="{141E6896-B86F-DD44-BDA0-E554A7F59887}"/>
+                </a:ext>
+              </a:extLst>
+            </p:cNvPr>
+            <p:cNvPicPr>
+              <a:picLocks noChangeAspect="1"/>
+            </p:cNvPicPr>
+            <p:nvPr/>
+          </p:nvPicPr>
+          <p:blipFill>
+            <a:blip r:embed="rId5"/>
+            <a:stretch>
+              <a:fillRect/>
+            </a:stretch>
+          </p:blipFill>
+          <p:spPr>
+            <a:xfrm>
+              <a:off x="5682083" y="2648396"/>
+              <a:ext cx="787400" cy="254000"/>
+            </a:xfrm>
+            <a:prstGeom prst="rect">
+              <a:avLst/>
+            </a:prstGeom>
+          </p:spPr>
+        </p:pic>
+      </p:grpSp>
+    </p:spTree>
+    <p:extLst>
+      <p:ext uri="{BB962C8B-B14F-4D97-AF65-F5344CB8AC3E}">
+        <p14:creationId xmlns:p14="http://schemas.microsoft.com/office/powerpoint/2010/main" val="1085332312"/>
+      </p:ext>
+    </p:extLst>
+  </p:cSld>
+  <p:clrMapOvr>
+    <a:masterClrMapping/>
+  </p:clrMapOvr>
+</p:sld>
+</file>
+
 <file path=ppt/theme/theme1.xml><?xml version="1.0" encoding="utf-8"?>
 <a:theme xmlns:a="http://schemas.openxmlformats.org/drawingml/2006/main" name="Office Theme">
   <a:themeElements>

--- a/images/coordinate_grids/Presentation1.pptx
+++ b/images/coordinate_grids/Presentation1.pptx
@@ -10,6 +10,7 @@
     <p:sldId id="258" r:id="rId4"/>
     <p:sldId id="259" r:id="rId5"/>
     <p:sldId id="260" r:id="rId6"/>
+    <p:sldId id="261" r:id="rId7"/>
   </p:sldIdLst>
   <p:sldSz cx="12192000" cy="6858000"/>
   <p:notesSz cx="6858000" cy="9144000"/>
@@ -118,6 +119,7 @@
             <p14:sldId id="258"/>
             <p14:sldId id="259"/>
             <p14:sldId id="260"/>
+            <p14:sldId id="261"/>
           </p14:sldIdLst>
         </p14:section>
       </p14:sectionLst>
@@ -276,7 +278,7 @@
           <a:p>
             <a:fld id="{165386A8-AF9F-7E40-A1FF-AF0D5444A8FE}" type="datetimeFigureOut">
               <a:rPr lang="en-US" smtClean="0"/>
-              <a:t>7/17/19</a:t>
+              <a:t>7/20/19</a:t>
             </a:fld>
             <a:endParaRPr lang="en-US"/>
           </a:p>
@@ -474,7 +476,7 @@
           <a:p>
             <a:fld id="{165386A8-AF9F-7E40-A1FF-AF0D5444A8FE}" type="datetimeFigureOut">
               <a:rPr lang="en-US" smtClean="0"/>
-              <a:t>7/17/19</a:t>
+              <a:t>7/20/19</a:t>
             </a:fld>
             <a:endParaRPr lang="en-US"/>
           </a:p>
@@ -682,7 +684,7 @@
           <a:p>
             <a:fld id="{165386A8-AF9F-7E40-A1FF-AF0D5444A8FE}" type="datetimeFigureOut">
               <a:rPr lang="en-US" smtClean="0"/>
-              <a:t>7/17/19</a:t>
+              <a:t>7/20/19</a:t>
             </a:fld>
             <a:endParaRPr lang="en-US"/>
           </a:p>
@@ -880,7 +882,7 @@
           <a:p>
             <a:fld id="{165386A8-AF9F-7E40-A1FF-AF0D5444A8FE}" type="datetimeFigureOut">
               <a:rPr lang="en-US" smtClean="0"/>
-              <a:t>7/17/19</a:t>
+              <a:t>7/20/19</a:t>
             </a:fld>
             <a:endParaRPr lang="en-US"/>
           </a:p>
@@ -1155,7 +1157,7 @@
           <a:p>
             <a:fld id="{165386A8-AF9F-7E40-A1FF-AF0D5444A8FE}" type="datetimeFigureOut">
               <a:rPr lang="en-US" smtClean="0"/>
-              <a:t>7/17/19</a:t>
+              <a:t>7/20/19</a:t>
             </a:fld>
             <a:endParaRPr lang="en-US"/>
           </a:p>
@@ -1420,7 +1422,7 @@
           <a:p>
             <a:fld id="{165386A8-AF9F-7E40-A1FF-AF0D5444A8FE}" type="datetimeFigureOut">
               <a:rPr lang="en-US" smtClean="0"/>
-              <a:t>7/17/19</a:t>
+              <a:t>7/20/19</a:t>
             </a:fld>
             <a:endParaRPr lang="en-US"/>
           </a:p>
@@ -1832,7 +1834,7 @@
           <a:p>
             <a:fld id="{165386A8-AF9F-7E40-A1FF-AF0D5444A8FE}" type="datetimeFigureOut">
               <a:rPr lang="en-US" smtClean="0"/>
-              <a:t>7/17/19</a:t>
+              <a:t>7/20/19</a:t>
             </a:fld>
             <a:endParaRPr lang="en-US"/>
           </a:p>
@@ -1973,7 +1975,7 @@
           <a:p>
             <a:fld id="{165386A8-AF9F-7E40-A1FF-AF0D5444A8FE}" type="datetimeFigureOut">
               <a:rPr lang="en-US" smtClean="0"/>
-              <a:t>7/17/19</a:t>
+              <a:t>7/20/19</a:t>
             </a:fld>
             <a:endParaRPr lang="en-US"/>
           </a:p>
@@ -2086,7 +2088,7 @@
           <a:p>
             <a:fld id="{165386A8-AF9F-7E40-A1FF-AF0D5444A8FE}" type="datetimeFigureOut">
               <a:rPr lang="en-US" smtClean="0"/>
-              <a:t>7/17/19</a:t>
+              <a:t>7/20/19</a:t>
             </a:fld>
             <a:endParaRPr lang="en-US"/>
           </a:p>
@@ -2397,7 +2399,7 @@
           <a:p>
             <a:fld id="{165386A8-AF9F-7E40-A1FF-AF0D5444A8FE}" type="datetimeFigureOut">
               <a:rPr lang="en-US" smtClean="0"/>
-              <a:t>7/17/19</a:t>
+              <a:t>7/20/19</a:t>
             </a:fld>
             <a:endParaRPr lang="en-US"/>
           </a:p>
@@ -2685,7 +2687,7 @@
           <a:p>
             <a:fld id="{165386A8-AF9F-7E40-A1FF-AF0D5444A8FE}" type="datetimeFigureOut">
               <a:rPr lang="en-US" smtClean="0"/>
-              <a:t>7/17/19</a:t>
+              <a:t>7/20/19</a:t>
             </a:fld>
             <a:endParaRPr lang="en-US"/>
           </a:p>
@@ -2926,7 +2928,7 @@
           <a:p>
             <a:fld id="{165386A8-AF9F-7E40-A1FF-AF0D5444A8FE}" type="datetimeFigureOut">
               <a:rPr lang="en-US" smtClean="0"/>
-              <a:t>7/17/19</a:t>
+              <a:t>7/20/19</a:t>
             </a:fld>
             <a:endParaRPr lang="en-US"/>
           </a:p>
@@ -5640,6 +5642,623 @@
 </p:sld>
 </file>
 
+<file path=ppt/slides/slide6.xml><?xml version="1.0" encoding="utf-8"?>
+<p:sld xmlns:a="http://schemas.openxmlformats.org/drawingml/2006/main" xmlns:r="http://schemas.openxmlformats.org/officeDocument/2006/relationships" xmlns:p="http://schemas.openxmlformats.org/presentationml/2006/main">
+  <p:cSld>
+    <p:spTree>
+      <p:nvGrpSpPr>
+        <p:cNvPr id="1" name=""/>
+        <p:cNvGrpSpPr/>
+        <p:nvPr/>
+      </p:nvGrpSpPr>
+      <p:grpSpPr>
+        <a:xfrm>
+          <a:off x="0" y="0"/>
+          <a:ext cx="0" cy="0"/>
+          <a:chOff x="0" y="0"/>
+          <a:chExt cx="0" cy="0"/>
+        </a:xfrm>
+      </p:grpSpPr>
+      <p:grpSp>
+        <p:nvGrpSpPr>
+          <p:cNvPr id="26" name="Group 25">
+            <a:extLst>
+              <a:ext uri="{FF2B5EF4-FFF2-40B4-BE49-F238E27FC236}">
+                <a16:creationId xmlns:a16="http://schemas.microsoft.com/office/drawing/2014/main" id="{2AF27490-EC14-594F-9C95-0EE009F0EF11}"/>
+              </a:ext>
+            </a:extLst>
+          </p:cNvPr>
+          <p:cNvGrpSpPr/>
+          <p:nvPr/>
+        </p:nvGrpSpPr>
+        <p:grpSpPr>
+          <a:xfrm>
+            <a:off x="1506828" y="811369"/>
+            <a:ext cx="4700934" cy="3786390"/>
+            <a:chOff x="1506828" y="811369"/>
+            <a:chExt cx="4700934" cy="3786390"/>
+          </a:xfrm>
+        </p:grpSpPr>
+        <p:cxnSp>
+          <p:nvCxnSpPr>
+            <p:cNvPr id="4" name="Straight Arrow Connector 3">
+              <a:extLst>
+                <a:ext uri="{FF2B5EF4-FFF2-40B4-BE49-F238E27FC236}">
+                  <a16:creationId xmlns:a16="http://schemas.microsoft.com/office/drawing/2014/main" id="{521796CE-816A-D544-9B0F-B53CB8FEF1D6}"/>
+                </a:ext>
+              </a:extLst>
+            </p:cNvPr>
+            <p:cNvCxnSpPr>
+              <a:cxnSpLocks/>
+            </p:cNvCxnSpPr>
+            <p:nvPr/>
+          </p:nvCxnSpPr>
+          <p:spPr>
+            <a:xfrm flipV="1">
+              <a:off x="3245476" y="811369"/>
+              <a:ext cx="0" cy="3786390"/>
+            </a:xfrm>
+            <a:prstGeom prst="straightConnector1">
+              <a:avLst/>
+            </a:prstGeom>
+            <a:ln>
+              <a:tailEnd type="triangle"/>
+            </a:ln>
+          </p:spPr>
+          <p:style>
+            <a:lnRef idx="1">
+              <a:schemeClr val="dk1"/>
+            </a:lnRef>
+            <a:fillRef idx="0">
+              <a:schemeClr val="dk1"/>
+            </a:fillRef>
+            <a:effectRef idx="0">
+              <a:schemeClr val="dk1"/>
+            </a:effectRef>
+            <a:fontRef idx="minor">
+              <a:schemeClr val="tx1"/>
+            </a:fontRef>
+          </p:style>
+        </p:cxnSp>
+        <p:cxnSp>
+          <p:nvCxnSpPr>
+            <p:cNvPr id="5" name="Straight Arrow Connector 4">
+              <a:extLst>
+                <a:ext uri="{FF2B5EF4-FFF2-40B4-BE49-F238E27FC236}">
+                  <a16:creationId xmlns:a16="http://schemas.microsoft.com/office/drawing/2014/main" id="{906C90B7-3AC5-4D4A-8AC1-C463674C5A65}"/>
+                </a:ext>
+              </a:extLst>
+            </p:cNvPr>
+            <p:cNvCxnSpPr>
+              <a:cxnSpLocks/>
+            </p:cNvCxnSpPr>
+            <p:nvPr/>
+          </p:nvCxnSpPr>
+          <p:spPr>
+            <a:xfrm>
+              <a:off x="1506828" y="2775397"/>
+              <a:ext cx="3734873" cy="1"/>
+            </a:xfrm>
+            <a:prstGeom prst="straightConnector1">
+              <a:avLst/>
+            </a:prstGeom>
+            <a:ln>
+              <a:tailEnd type="triangle"/>
+            </a:ln>
+          </p:spPr>
+          <p:style>
+            <a:lnRef idx="1">
+              <a:schemeClr val="dk1"/>
+            </a:lnRef>
+            <a:fillRef idx="0">
+              <a:schemeClr val="dk1"/>
+            </a:fillRef>
+            <a:effectRef idx="0">
+              <a:schemeClr val="dk1"/>
+            </a:effectRef>
+            <a:fontRef idx="minor">
+              <a:schemeClr val="tx1"/>
+            </a:fontRef>
+          </p:style>
+        </p:cxnSp>
+        <p:cxnSp>
+          <p:nvCxnSpPr>
+            <p:cNvPr id="6" name="Straight Arrow Connector 5">
+              <a:extLst>
+                <a:ext uri="{FF2B5EF4-FFF2-40B4-BE49-F238E27FC236}">
+                  <a16:creationId xmlns:a16="http://schemas.microsoft.com/office/drawing/2014/main" id="{0FF933B9-BE53-2144-9878-4545E39F62A8}"/>
+                </a:ext>
+              </a:extLst>
+            </p:cNvPr>
+            <p:cNvCxnSpPr>
+              <a:cxnSpLocks/>
+            </p:cNvCxnSpPr>
+            <p:nvPr/>
+          </p:nvCxnSpPr>
+          <p:spPr>
+            <a:xfrm flipV="1">
+              <a:off x="2253802" y="1596980"/>
+              <a:ext cx="1970468" cy="2343955"/>
+            </a:xfrm>
+            <a:prstGeom prst="straightConnector1">
+              <a:avLst/>
+            </a:prstGeom>
+            <a:ln>
+              <a:tailEnd type="triangle"/>
+            </a:ln>
+          </p:spPr>
+          <p:style>
+            <a:lnRef idx="1">
+              <a:schemeClr val="dk1"/>
+            </a:lnRef>
+            <a:fillRef idx="0">
+              <a:schemeClr val="dk1"/>
+            </a:fillRef>
+            <a:effectRef idx="0">
+              <a:schemeClr val="dk1"/>
+            </a:effectRef>
+            <a:fontRef idx="minor">
+              <a:schemeClr val="tx1"/>
+            </a:fontRef>
+          </p:style>
+        </p:cxnSp>
+        <p:pic>
+          <p:nvPicPr>
+            <p:cNvPr id="13" name="Picture 12">
+              <a:extLst>
+                <a:ext uri="{FF2B5EF4-FFF2-40B4-BE49-F238E27FC236}">
+                  <a16:creationId xmlns:a16="http://schemas.microsoft.com/office/drawing/2014/main" id="{FCBE10C1-41D4-7042-BAB7-706BA3299737}"/>
+                </a:ext>
+              </a:extLst>
+            </p:cNvPr>
+            <p:cNvPicPr>
+              <a:picLocks noChangeAspect="1"/>
+            </p:cNvPicPr>
+            <p:nvPr/>
+          </p:nvPicPr>
+          <p:blipFill>
+            <a:blip r:embed="rId2"/>
+            <a:stretch>
+              <a:fillRect/>
+            </a:stretch>
+          </p:blipFill>
+          <p:spPr>
+            <a:xfrm>
+              <a:off x="2903716" y="811369"/>
+              <a:ext cx="212308" cy="206064"/>
+            </a:xfrm>
+            <a:prstGeom prst="rect">
+              <a:avLst/>
+            </a:prstGeom>
+          </p:spPr>
+        </p:pic>
+        <p:pic>
+          <p:nvPicPr>
+            <p:cNvPr id="14" name="Picture 13">
+              <a:extLst>
+                <a:ext uri="{FF2B5EF4-FFF2-40B4-BE49-F238E27FC236}">
+                  <a16:creationId xmlns:a16="http://schemas.microsoft.com/office/drawing/2014/main" id="{A767699A-53E7-EB4C-8726-0469981D1ADA}"/>
+                </a:ext>
+              </a:extLst>
+            </p:cNvPr>
+            <p:cNvPicPr>
+              <a:picLocks noChangeAspect="1"/>
+            </p:cNvPicPr>
+            <p:nvPr/>
+          </p:nvPicPr>
+          <p:blipFill>
+            <a:blip r:embed="rId3"/>
+            <a:stretch>
+              <a:fillRect/>
+            </a:stretch>
+          </p:blipFill>
+          <p:spPr>
+            <a:xfrm>
+              <a:off x="5027505" y="2838099"/>
+              <a:ext cx="214196" cy="214196"/>
+            </a:xfrm>
+            <a:prstGeom prst="rect">
+              <a:avLst/>
+            </a:prstGeom>
+          </p:spPr>
+        </p:pic>
+        <p:pic>
+          <p:nvPicPr>
+            <p:cNvPr id="15" name="Picture 14">
+              <a:extLst>
+                <a:ext uri="{FF2B5EF4-FFF2-40B4-BE49-F238E27FC236}">
+                  <a16:creationId xmlns:a16="http://schemas.microsoft.com/office/drawing/2014/main" id="{90E5ED7E-CE39-F64D-AE53-D5DCAE58E35D}"/>
+                </a:ext>
+              </a:extLst>
+            </p:cNvPr>
+            <p:cNvPicPr>
+              <a:picLocks noChangeAspect="1"/>
+            </p:cNvPicPr>
+            <p:nvPr/>
+          </p:nvPicPr>
+          <p:blipFill>
+            <a:blip r:embed="rId4"/>
+            <a:stretch>
+              <a:fillRect/>
+            </a:stretch>
+          </p:blipFill>
+          <p:spPr>
+            <a:xfrm>
+              <a:off x="4187720" y="1596980"/>
+              <a:ext cx="185759" cy="180295"/>
+            </a:xfrm>
+            <a:prstGeom prst="rect">
+              <a:avLst/>
+            </a:prstGeom>
+          </p:spPr>
+        </p:pic>
+        <p:sp>
+          <p:nvSpPr>
+            <p:cNvPr id="16" name="Cube 15">
+              <a:extLst>
+                <a:ext uri="{FF2B5EF4-FFF2-40B4-BE49-F238E27FC236}">
+                  <a16:creationId xmlns:a16="http://schemas.microsoft.com/office/drawing/2014/main" id="{F34CE412-AD7C-F54A-859B-51C41BF0DE81}"/>
+                </a:ext>
+              </a:extLst>
+            </p:cNvPr>
+            <p:cNvSpPr/>
+            <p:nvPr/>
+          </p:nvSpPr>
+          <p:spPr>
+            <a:xfrm>
+              <a:off x="1506828" y="1493955"/>
+              <a:ext cx="4391696" cy="927274"/>
+            </a:xfrm>
+            <a:prstGeom prst="cube">
+              <a:avLst>
+                <a:gd name="adj" fmla="val 72368"/>
+              </a:avLst>
+            </a:prstGeom>
+            <a:noFill/>
+          </p:spPr>
+          <p:style>
+            <a:lnRef idx="2">
+              <a:schemeClr val="accent1">
+                <a:shade val="50000"/>
+              </a:schemeClr>
+            </a:lnRef>
+            <a:fillRef idx="1">
+              <a:schemeClr val="accent1"/>
+            </a:fillRef>
+            <a:effectRef idx="0">
+              <a:schemeClr val="accent1"/>
+            </a:effectRef>
+            <a:fontRef idx="minor">
+              <a:schemeClr val="lt1"/>
+            </a:fontRef>
+          </p:style>
+          <p:txBody>
+            <a:bodyPr rtlCol="0" anchor="ctr"/>
+            <a:lstStyle/>
+            <a:p>
+              <a:pPr algn="ctr"/>
+              <a:endParaRPr lang="en-US"/>
+            </a:p>
+          </p:txBody>
+        </p:sp>
+        <p:pic>
+          <p:nvPicPr>
+            <p:cNvPr id="18" name="Picture 17">
+              <a:extLst>
+                <a:ext uri="{FF2B5EF4-FFF2-40B4-BE49-F238E27FC236}">
+                  <a16:creationId xmlns:a16="http://schemas.microsoft.com/office/drawing/2014/main" id="{313A01E6-C395-D04E-945E-5D6B83973F67}"/>
+                </a:ext>
+              </a:extLst>
+            </p:cNvPr>
+            <p:cNvPicPr>
+              <a:picLocks noChangeAspect="1"/>
+            </p:cNvPicPr>
+            <p:nvPr/>
+          </p:nvPicPr>
+          <p:blipFill>
+            <a:blip r:embed="rId5"/>
+            <a:stretch>
+              <a:fillRect/>
+            </a:stretch>
+          </p:blipFill>
+          <p:spPr>
+            <a:xfrm>
+              <a:off x="5915092" y="1294780"/>
+              <a:ext cx="292670" cy="662812"/>
+            </a:xfrm>
+            <a:prstGeom prst="rect">
+              <a:avLst/>
+            </a:prstGeom>
+          </p:spPr>
+        </p:pic>
+        <p:pic>
+          <p:nvPicPr>
+            <p:cNvPr id="19" name="Picture 18">
+              <a:extLst>
+                <a:ext uri="{FF2B5EF4-FFF2-40B4-BE49-F238E27FC236}">
+                  <a16:creationId xmlns:a16="http://schemas.microsoft.com/office/drawing/2014/main" id="{547FBF4B-6690-8344-97FC-2A8504062D22}"/>
+                </a:ext>
+              </a:extLst>
+            </p:cNvPr>
+            <p:cNvPicPr>
+              <a:picLocks noChangeAspect="1"/>
+            </p:cNvPicPr>
+            <p:nvPr/>
+          </p:nvPicPr>
+          <p:blipFill>
+            <a:blip r:embed="rId6"/>
+            <a:stretch>
+              <a:fillRect/>
+            </a:stretch>
+          </p:blipFill>
+          <p:spPr>
+            <a:xfrm>
+              <a:off x="4156624" y="2229290"/>
+              <a:ext cx="216916" cy="823005"/>
+            </a:xfrm>
+            <a:prstGeom prst="rect">
+              <a:avLst/>
+            </a:prstGeom>
+          </p:spPr>
+        </p:pic>
+        <p:pic>
+          <p:nvPicPr>
+            <p:cNvPr id="20" name="Picture 19">
+              <a:extLst>
+                <a:ext uri="{FF2B5EF4-FFF2-40B4-BE49-F238E27FC236}">
+                  <a16:creationId xmlns:a16="http://schemas.microsoft.com/office/drawing/2014/main" id="{135ED007-FA26-124A-90D9-6573DA0BB9FD}"/>
+                </a:ext>
+              </a:extLst>
+            </p:cNvPr>
+            <p:cNvPicPr>
+              <a:picLocks noChangeAspect="1"/>
+            </p:cNvPicPr>
+            <p:nvPr/>
+          </p:nvPicPr>
+          <p:blipFill>
+            <a:blip r:embed="rId7"/>
+            <a:stretch>
+              <a:fillRect/>
+            </a:stretch>
+          </p:blipFill>
+          <p:spPr>
+            <a:xfrm>
+              <a:off x="2522381" y="3103815"/>
+              <a:ext cx="215900" cy="146050"/>
+            </a:xfrm>
+            <a:prstGeom prst="rect">
+              <a:avLst/>
+            </a:prstGeom>
+          </p:spPr>
+        </p:pic>
+        <p:pic>
+          <p:nvPicPr>
+            <p:cNvPr id="21" name="Picture 20">
+              <a:extLst>
+                <a:ext uri="{FF2B5EF4-FFF2-40B4-BE49-F238E27FC236}">
+                  <a16:creationId xmlns:a16="http://schemas.microsoft.com/office/drawing/2014/main" id="{A941F680-2E0B-1540-B5E1-AA1F47E80C4B}"/>
+                </a:ext>
+              </a:extLst>
+            </p:cNvPr>
+            <p:cNvPicPr>
+              <a:picLocks noChangeAspect="1"/>
+            </p:cNvPicPr>
+            <p:nvPr/>
+          </p:nvPicPr>
+          <p:blipFill>
+            <a:blip r:embed="rId8"/>
+            <a:stretch>
+              <a:fillRect/>
+            </a:stretch>
+          </p:blipFill>
+          <p:spPr>
+            <a:xfrm>
+              <a:off x="3473897" y="3583546"/>
+              <a:ext cx="215900" cy="139700"/>
+            </a:xfrm>
+            <a:prstGeom prst="rect">
+              <a:avLst/>
+            </a:prstGeom>
+          </p:spPr>
+        </p:pic>
+        <p:sp>
+          <p:nvSpPr>
+            <p:cNvPr id="22" name="Oval 21">
+              <a:extLst>
+                <a:ext uri="{FF2B5EF4-FFF2-40B4-BE49-F238E27FC236}">
+                  <a16:creationId xmlns:a16="http://schemas.microsoft.com/office/drawing/2014/main" id="{99307773-BE95-454E-9BFE-91A18A99963C}"/>
+                </a:ext>
+              </a:extLst>
+            </p:cNvPr>
+            <p:cNvSpPr/>
+            <p:nvPr/>
+          </p:nvSpPr>
+          <p:spPr>
+            <a:xfrm>
+              <a:off x="4007354" y="2229289"/>
+              <a:ext cx="102072" cy="118457"/>
+            </a:xfrm>
+            <a:prstGeom prst="ellipse">
+              <a:avLst/>
+            </a:prstGeom>
+          </p:spPr>
+          <p:style>
+            <a:lnRef idx="2">
+              <a:schemeClr val="dk1">
+                <a:shade val="50000"/>
+              </a:schemeClr>
+            </a:lnRef>
+            <a:fillRef idx="1">
+              <a:schemeClr val="dk1"/>
+            </a:fillRef>
+            <a:effectRef idx="0">
+              <a:schemeClr val="dk1"/>
+            </a:effectRef>
+            <a:fontRef idx="minor">
+              <a:schemeClr val="lt1"/>
+            </a:fontRef>
+          </p:style>
+          <p:txBody>
+            <a:bodyPr rtlCol="0" anchor="ctr"/>
+            <a:lstStyle/>
+            <a:p>
+              <a:pPr algn="ctr"/>
+              <a:endParaRPr lang="en-US"/>
+            </a:p>
+          </p:txBody>
+        </p:sp>
+        <p:sp>
+          <p:nvSpPr>
+            <p:cNvPr id="23" name="Oval 22">
+              <a:extLst>
+                <a:ext uri="{FF2B5EF4-FFF2-40B4-BE49-F238E27FC236}">
+                  <a16:creationId xmlns:a16="http://schemas.microsoft.com/office/drawing/2014/main" id="{505102FC-7BE8-884A-B55F-1092A57F5507}"/>
+                </a:ext>
+              </a:extLst>
+            </p:cNvPr>
+            <p:cNvSpPr/>
+            <p:nvPr/>
+          </p:nvSpPr>
+          <p:spPr>
+            <a:xfrm>
+              <a:off x="4101347" y="3056684"/>
+              <a:ext cx="102072" cy="118457"/>
+            </a:xfrm>
+            <a:prstGeom prst="ellipse">
+              <a:avLst/>
+            </a:prstGeom>
+          </p:spPr>
+          <p:style>
+            <a:lnRef idx="2">
+              <a:schemeClr val="dk1">
+                <a:shade val="50000"/>
+              </a:schemeClr>
+            </a:lnRef>
+            <a:fillRef idx="1">
+              <a:schemeClr val="dk1"/>
+            </a:fillRef>
+            <a:effectRef idx="0">
+              <a:schemeClr val="dk1"/>
+            </a:effectRef>
+            <a:fontRef idx="minor">
+              <a:schemeClr val="lt1"/>
+            </a:fontRef>
+          </p:style>
+          <p:txBody>
+            <a:bodyPr rtlCol="0" anchor="ctr"/>
+            <a:lstStyle/>
+            <a:p>
+              <a:pPr algn="ctr"/>
+              <a:endParaRPr lang="en-US"/>
+            </a:p>
+          </p:txBody>
+        </p:sp>
+        <p:sp>
+          <p:nvSpPr>
+            <p:cNvPr id="24" name="Oval 23">
+              <a:extLst>
+                <a:ext uri="{FF2B5EF4-FFF2-40B4-BE49-F238E27FC236}">
+                  <a16:creationId xmlns:a16="http://schemas.microsoft.com/office/drawing/2014/main" id="{552C535B-53B1-4C4A-B6F4-B0AEE9EF7449}"/>
+                </a:ext>
+              </a:extLst>
+            </p:cNvPr>
+            <p:cNvSpPr/>
+            <p:nvPr/>
+          </p:nvSpPr>
+          <p:spPr>
+            <a:xfrm>
+              <a:off x="3687662" y="3732768"/>
+              <a:ext cx="102072" cy="118457"/>
+            </a:xfrm>
+            <a:prstGeom prst="ellipse">
+              <a:avLst/>
+            </a:prstGeom>
+          </p:spPr>
+          <p:style>
+            <a:lnRef idx="2">
+              <a:schemeClr val="dk1">
+                <a:shade val="50000"/>
+              </a:schemeClr>
+            </a:lnRef>
+            <a:fillRef idx="1">
+              <a:schemeClr val="dk1"/>
+            </a:fillRef>
+            <a:effectRef idx="0">
+              <a:schemeClr val="dk1"/>
+            </a:effectRef>
+            <a:fontRef idx="minor">
+              <a:schemeClr val="lt1"/>
+            </a:fontRef>
+          </p:style>
+          <p:txBody>
+            <a:bodyPr rtlCol="0" anchor="ctr"/>
+            <a:lstStyle/>
+            <a:p>
+              <a:pPr algn="ctr"/>
+              <a:endParaRPr lang="en-US"/>
+            </a:p>
+          </p:txBody>
+        </p:sp>
+        <p:sp>
+          <p:nvSpPr>
+            <p:cNvPr id="25" name="Oval 24">
+              <a:extLst>
+                <a:ext uri="{FF2B5EF4-FFF2-40B4-BE49-F238E27FC236}">
+                  <a16:creationId xmlns:a16="http://schemas.microsoft.com/office/drawing/2014/main" id="{C5ED28E9-FDC4-E740-B653-779805F5A600}"/>
+                </a:ext>
+              </a:extLst>
+            </p:cNvPr>
+            <p:cNvSpPr/>
+            <p:nvPr/>
+          </p:nvSpPr>
+          <p:spPr>
+            <a:xfrm>
+              <a:off x="2400461" y="3190636"/>
+              <a:ext cx="102072" cy="118457"/>
+            </a:xfrm>
+            <a:prstGeom prst="ellipse">
+              <a:avLst/>
+            </a:prstGeom>
+          </p:spPr>
+          <p:style>
+            <a:lnRef idx="2">
+              <a:schemeClr val="dk1">
+                <a:shade val="50000"/>
+              </a:schemeClr>
+            </a:lnRef>
+            <a:fillRef idx="1">
+              <a:schemeClr val="dk1"/>
+            </a:fillRef>
+            <a:effectRef idx="0">
+              <a:schemeClr val="dk1"/>
+            </a:effectRef>
+            <a:fontRef idx="minor">
+              <a:schemeClr val="lt1"/>
+            </a:fontRef>
+          </p:style>
+          <p:txBody>
+            <a:bodyPr rtlCol="0" anchor="ctr"/>
+            <a:lstStyle/>
+            <a:p>
+              <a:pPr algn="ctr"/>
+              <a:endParaRPr lang="en-US"/>
+            </a:p>
+          </p:txBody>
+        </p:sp>
+      </p:grpSp>
+    </p:spTree>
+    <p:extLst>
+      <p:ext uri="{BB962C8B-B14F-4D97-AF65-F5344CB8AC3E}">
+        <p14:creationId xmlns:p14="http://schemas.microsoft.com/office/powerpoint/2010/main" val="3790954721"/>
+      </p:ext>
+    </p:extLst>
+  </p:cSld>
+  <p:clrMapOvr>
+    <a:masterClrMapping/>
+  </p:clrMapOvr>
+</p:sld>
+</file>
+
 <file path=ppt/theme/theme1.xml><?xml version="1.0" encoding="utf-8"?>
 <a:theme xmlns:a="http://schemas.openxmlformats.org/drawingml/2006/main" name="Office Theme">
   <a:themeElements>

--- a/images/coordinate_grids/Presentation1.pptx
+++ b/images/coordinate_grids/Presentation1.pptx
@@ -11,6 +11,7 @@
     <p:sldId id="259" r:id="rId5"/>
     <p:sldId id="260" r:id="rId6"/>
     <p:sldId id="261" r:id="rId7"/>
+    <p:sldId id="262" r:id="rId8"/>
   </p:sldIdLst>
   <p:sldSz cx="12192000" cy="6858000"/>
   <p:notesSz cx="6858000" cy="9144000"/>
@@ -120,6 +121,7 @@
             <p14:sldId id="259"/>
             <p14:sldId id="260"/>
             <p14:sldId id="261"/>
+            <p14:sldId id="262"/>
           </p14:sldIdLst>
         </p14:section>
       </p14:sectionLst>
@@ -278,7 +280,7 @@
           <a:p>
             <a:fld id="{165386A8-AF9F-7E40-A1FF-AF0D5444A8FE}" type="datetimeFigureOut">
               <a:rPr lang="en-US" smtClean="0"/>
-              <a:t>7/20/19</a:t>
+              <a:t>7/26/19</a:t>
             </a:fld>
             <a:endParaRPr lang="en-US"/>
           </a:p>
@@ -476,7 +478,7 @@
           <a:p>
             <a:fld id="{165386A8-AF9F-7E40-A1FF-AF0D5444A8FE}" type="datetimeFigureOut">
               <a:rPr lang="en-US" smtClean="0"/>
-              <a:t>7/20/19</a:t>
+              <a:t>7/26/19</a:t>
             </a:fld>
             <a:endParaRPr lang="en-US"/>
           </a:p>
@@ -684,7 +686,7 @@
           <a:p>
             <a:fld id="{165386A8-AF9F-7E40-A1FF-AF0D5444A8FE}" type="datetimeFigureOut">
               <a:rPr lang="en-US" smtClean="0"/>
-              <a:t>7/20/19</a:t>
+              <a:t>7/26/19</a:t>
             </a:fld>
             <a:endParaRPr lang="en-US"/>
           </a:p>
@@ -882,7 +884,7 @@
           <a:p>
             <a:fld id="{165386A8-AF9F-7E40-A1FF-AF0D5444A8FE}" type="datetimeFigureOut">
               <a:rPr lang="en-US" smtClean="0"/>
-              <a:t>7/20/19</a:t>
+              <a:t>7/26/19</a:t>
             </a:fld>
             <a:endParaRPr lang="en-US"/>
           </a:p>
@@ -1157,7 +1159,7 @@
           <a:p>
             <a:fld id="{165386A8-AF9F-7E40-A1FF-AF0D5444A8FE}" type="datetimeFigureOut">
               <a:rPr lang="en-US" smtClean="0"/>
-              <a:t>7/20/19</a:t>
+              <a:t>7/26/19</a:t>
             </a:fld>
             <a:endParaRPr lang="en-US"/>
           </a:p>
@@ -1422,7 +1424,7 @@
           <a:p>
             <a:fld id="{165386A8-AF9F-7E40-A1FF-AF0D5444A8FE}" type="datetimeFigureOut">
               <a:rPr lang="en-US" smtClean="0"/>
-              <a:t>7/20/19</a:t>
+              <a:t>7/26/19</a:t>
             </a:fld>
             <a:endParaRPr lang="en-US"/>
           </a:p>
@@ -1834,7 +1836,7 @@
           <a:p>
             <a:fld id="{165386A8-AF9F-7E40-A1FF-AF0D5444A8FE}" type="datetimeFigureOut">
               <a:rPr lang="en-US" smtClean="0"/>
-              <a:t>7/20/19</a:t>
+              <a:t>7/26/19</a:t>
             </a:fld>
             <a:endParaRPr lang="en-US"/>
           </a:p>
@@ -1975,7 +1977,7 @@
           <a:p>
             <a:fld id="{165386A8-AF9F-7E40-A1FF-AF0D5444A8FE}" type="datetimeFigureOut">
               <a:rPr lang="en-US" smtClean="0"/>
-              <a:t>7/20/19</a:t>
+              <a:t>7/26/19</a:t>
             </a:fld>
             <a:endParaRPr lang="en-US"/>
           </a:p>
@@ -2088,7 +2090,7 @@
           <a:p>
             <a:fld id="{165386A8-AF9F-7E40-A1FF-AF0D5444A8FE}" type="datetimeFigureOut">
               <a:rPr lang="en-US" smtClean="0"/>
-              <a:t>7/20/19</a:t>
+              <a:t>7/26/19</a:t>
             </a:fld>
             <a:endParaRPr lang="en-US"/>
           </a:p>
@@ -2399,7 +2401,7 @@
           <a:p>
             <a:fld id="{165386A8-AF9F-7E40-A1FF-AF0D5444A8FE}" type="datetimeFigureOut">
               <a:rPr lang="en-US" smtClean="0"/>
-              <a:t>7/20/19</a:t>
+              <a:t>7/26/19</a:t>
             </a:fld>
             <a:endParaRPr lang="en-US"/>
           </a:p>
@@ -2687,7 +2689,7 @@
           <a:p>
             <a:fld id="{165386A8-AF9F-7E40-A1FF-AF0D5444A8FE}" type="datetimeFigureOut">
               <a:rPr lang="en-US" smtClean="0"/>
-              <a:t>7/20/19</a:t>
+              <a:t>7/26/19</a:t>
             </a:fld>
             <a:endParaRPr lang="en-US"/>
           </a:p>
@@ -2928,7 +2930,7 @@
           <a:p>
             <a:fld id="{165386A8-AF9F-7E40-A1FF-AF0D5444A8FE}" type="datetimeFigureOut">
               <a:rPr lang="en-US" smtClean="0"/>
-              <a:t>7/20/19</a:t>
+              <a:t>7/26/19</a:t>
             </a:fld>
             <a:endParaRPr lang="en-US"/>
           </a:p>
@@ -6259,6 +6261,454 @@
 </p:sld>
 </file>
 
+<file path=ppt/slides/slide7.xml><?xml version="1.0" encoding="utf-8"?>
+<p:sld xmlns:a="http://schemas.openxmlformats.org/drawingml/2006/main" xmlns:r="http://schemas.openxmlformats.org/officeDocument/2006/relationships" xmlns:p="http://schemas.openxmlformats.org/presentationml/2006/main">
+  <p:cSld>
+    <p:spTree>
+      <p:nvGrpSpPr>
+        <p:cNvPr id="1" name=""/>
+        <p:cNvGrpSpPr/>
+        <p:nvPr/>
+      </p:nvGrpSpPr>
+      <p:grpSpPr>
+        <a:xfrm>
+          <a:off x="0" y="0"/>
+          <a:ext cx="0" cy="0"/>
+          <a:chOff x="0" y="0"/>
+          <a:chExt cx="0" cy="0"/>
+        </a:xfrm>
+      </p:grpSpPr>
+      <p:grpSp>
+        <p:nvGrpSpPr>
+          <p:cNvPr id="22" name="Group 21">
+            <a:extLst>
+              <a:ext uri="{FF2B5EF4-FFF2-40B4-BE49-F238E27FC236}">
+                <a16:creationId xmlns:a16="http://schemas.microsoft.com/office/drawing/2014/main" id="{06C42A2C-8A89-D24C-88C5-6CAB3B4ADF74}"/>
+              </a:ext>
+            </a:extLst>
+          </p:cNvPr>
+          <p:cNvGrpSpPr/>
+          <p:nvPr/>
+        </p:nvGrpSpPr>
+        <p:grpSpPr>
+          <a:xfrm>
+            <a:off x="2768600" y="327070"/>
+            <a:ext cx="6654800" cy="6667500"/>
+            <a:chOff x="2768600" y="327070"/>
+            <a:chExt cx="6654800" cy="6667500"/>
+          </a:xfrm>
+        </p:grpSpPr>
+        <p:pic>
+          <p:nvPicPr>
+            <p:cNvPr id="5" name="Picture 4">
+              <a:extLst>
+                <a:ext uri="{FF2B5EF4-FFF2-40B4-BE49-F238E27FC236}">
+                  <a16:creationId xmlns:a16="http://schemas.microsoft.com/office/drawing/2014/main" id="{35DEA2A6-DAE0-CA42-AEFB-FBC020B96D3D}"/>
+                </a:ext>
+              </a:extLst>
+            </p:cNvPr>
+            <p:cNvPicPr>
+              <a:picLocks noChangeAspect="1"/>
+            </p:cNvPicPr>
+            <p:nvPr/>
+          </p:nvPicPr>
+          <p:blipFill>
+            <a:blip r:embed="rId2"/>
+            <a:stretch>
+              <a:fillRect/>
+            </a:stretch>
+          </p:blipFill>
+          <p:spPr>
+            <a:xfrm>
+              <a:off x="2768600" y="327070"/>
+              <a:ext cx="6654800" cy="6667500"/>
+            </a:xfrm>
+            <a:prstGeom prst="rect">
+              <a:avLst/>
+            </a:prstGeom>
+          </p:spPr>
+        </p:pic>
+        <p:pic>
+          <p:nvPicPr>
+            <p:cNvPr id="6" name="Picture 5">
+              <a:extLst>
+                <a:ext uri="{FF2B5EF4-FFF2-40B4-BE49-F238E27FC236}">
+                  <a16:creationId xmlns:a16="http://schemas.microsoft.com/office/drawing/2014/main" id="{61BE0E7E-86BA-B24A-90E0-47D5AF23BC81}"/>
+                </a:ext>
+              </a:extLst>
+            </p:cNvPr>
+            <p:cNvPicPr>
+              <a:picLocks noChangeAspect="1"/>
+            </p:cNvPicPr>
+            <p:nvPr/>
+          </p:nvPicPr>
+          <p:blipFill>
+            <a:blip r:embed="rId3"/>
+            <a:stretch>
+              <a:fillRect/>
+            </a:stretch>
+          </p:blipFill>
+          <p:spPr>
+            <a:xfrm>
+              <a:off x="7149832" y="1813194"/>
+              <a:ext cx="2133600" cy="406400"/>
+            </a:xfrm>
+            <a:prstGeom prst="rect">
+              <a:avLst/>
+            </a:prstGeom>
+          </p:spPr>
+        </p:pic>
+        <p:pic>
+          <p:nvPicPr>
+            <p:cNvPr id="7" name="Picture 6">
+              <a:extLst>
+                <a:ext uri="{FF2B5EF4-FFF2-40B4-BE49-F238E27FC236}">
+                  <a16:creationId xmlns:a16="http://schemas.microsoft.com/office/drawing/2014/main" id="{C599C07B-A2BA-2548-BAAD-87CB1A8C6950}"/>
+                </a:ext>
+              </a:extLst>
+            </p:cNvPr>
+            <p:cNvPicPr>
+              <a:picLocks noChangeAspect="1"/>
+            </p:cNvPicPr>
+            <p:nvPr/>
+          </p:nvPicPr>
+          <p:blipFill>
+            <a:blip r:embed="rId4"/>
+            <a:stretch>
+              <a:fillRect/>
+            </a:stretch>
+          </p:blipFill>
+          <p:spPr>
+            <a:xfrm>
+              <a:off x="6794679" y="4281868"/>
+              <a:ext cx="457200" cy="406400"/>
+            </a:xfrm>
+            <a:prstGeom prst="rect">
+              <a:avLst/>
+            </a:prstGeom>
+          </p:spPr>
+        </p:pic>
+        <p:pic>
+          <p:nvPicPr>
+            <p:cNvPr id="8" name="Picture 7">
+              <a:extLst>
+                <a:ext uri="{FF2B5EF4-FFF2-40B4-BE49-F238E27FC236}">
+                  <a16:creationId xmlns:a16="http://schemas.microsoft.com/office/drawing/2014/main" id="{9E584D39-84C8-A84E-ADBA-2F692EB39545}"/>
+                </a:ext>
+              </a:extLst>
+            </p:cNvPr>
+            <p:cNvPicPr>
+              <a:picLocks noChangeAspect="1"/>
+            </p:cNvPicPr>
+            <p:nvPr/>
+          </p:nvPicPr>
+          <p:blipFill>
+            <a:blip r:embed="rId5"/>
+            <a:stretch>
+              <a:fillRect/>
+            </a:stretch>
+          </p:blipFill>
+          <p:spPr>
+            <a:xfrm>
+              <a:off x="8053452" y="4733344"/>
+              <a:ext cx="469900" cy="406400"/>
+            </a:xfrm>
+            <a:prstGeom prst="rect">
+              <a:avLst/>
+            </a:prstGeom>
+          </p:spPr>
+        </p:pic>
+        <p:pic>
+          <p:nvPicPr>
+            <p:cNvPr id="9" name="Picture 8">
+              <a:extLst>
+                <a:ext uri="{FF2B5EF4-FFF2-40B4-BE49-F238E27FC236}">
+                  <a16:creationId xmlns:a16="http://schemas.microsoft.com/office/drawing/2014/main" id="{46B02B42-F6AE-964F-8934-229300798BBA}"/>
+                </a:ext>
+              </a:extLst>
+            </p:cNvPr>
+            <p:cNvPicPr>
+              <a:picLocks noChangeAspect="1"/>
+            </p:cNvPicPr>
+            <p:nvPr/>
+          </p:nvPicPr>
+          <p:blipFill>
+            <a:blip r:embed="rId6"/>
+            <a:stretch>
+              <a:fillRect/>
+            </a:stretch>
+          </p:blipFill>
+          <p:spPr>
+            <a:xfrm>
+              <a:off x="6591998" y="1957231"/>
+              <a:ext cx="165100" cy="203200"/>
+            </a:xfrm>
+            <a:prstGeom prst="rect">
+              <a:avLst/>
+            </a:prstGeom>
+          </p:spPr>
+        </p:pic>
+        <p:sp>
+          <p:nvSpPr>
+            <p:cNvPr id="10" name="Oval 9">
+              <a:extLst>
+                <a:ext uri="{FF2B5EF4-FFF2-40B4-BE49-F238E27FC236}">
+                  <a16:creationId xmlns:a16="http://schemas.microsoft.com/office/drawing/2014/main" id="{374924E9-5746-D24D-93F7-0539661A1D59}"/>
+                </a:ext>
+              </a:extLst>
+            </p:cNvPr>
+            <p:cNvSpPr/>
+            <p:nvPr/>
+          </p:nvSpPr>
+          <p:spPr>
+            <a:xfrm>
+              <a:off x="6794679" y="2016394"/>
+              <a:ext cx="296215" cy="288075"/>
+            </a:xfrm>
+            <a:prstGeom prst="ellipse">
+              <a:avLst/>
+            </a:prstGeom>
+            <a:noFill/>
+          </p:spPr>
+          <p:style>
+            <a:lnRef idx="2">
+              <a:schemeClr val="dk1">
+                <a:shade val="50000"/>
+              </a:schemeClr>
+            </a:lnRef>
+            <a:fillRef idx="1">
+              <a:schemeClr val="dk1"/>
+            </a:fillRef>
+            <a:effectRef idx="0">
+              <a:schemeClr val="dk1"/>
+            </a:effectRef>
+            <a:fontRef idx="minor">
+              <a:schemeClr val="lt1"/>
+            </a:fontRef>
+          </p:style>
+          <p:txBody>
+            <a:bodyPr rtlCol="0" anchor="ctr"/>
+            <a:lstStyle/>
+            <a:p>
+              <a:pPr algn="ctr"/>
+              <a:endParaRPr lang="en-US"/>
+            </a:p>
+          </p:txBody>
+        </p:sp>
+        <p:sp>
+          <p:nvSpPr>
+            <p:cNvPr id="11" name="Oval 10">
+              <a:extLst>
+                <a:ext uri="{FF2B5EF4-FFF2-40B4-BE49-F238E27FC236}">
+                  <a16:creationId xmlns:a16="http://schemas.microsoft.com/office/drawing/2014/main" id="{AF7A252F-2B76-CD4A-BEDA-6BA9420984D3}"/>
+                </a:ext>
+              </a:extLst>
+            </p:cNvPr>
+            <p:cNvSpPr/>
+            <p:nvPr/>
+          </p:nvSpPr>
+          <p:spPr>
+            <a:xfrm flipV="1">
+              <a:off x="6897066" y="2128154"/>
+              <a:ext cx="91440" cy="91440"/>
+            </a:xfrm>
+            <a:prstGeom prst="ellipse">
+              <a:avLst/>
+            </a:prstGeom>
+          </p:spPr>
+          <p:style>
+            <a:lnRef idx="2">
+              <a:schemeClr val="dk1">
+                <a:shade val="50000"/>
+              </a:schemeClr>
+            </a:lnRef>
+            <a:fillRef idx="1">
+              <a:schemeClr val="dk1"/>
+            </a:fillRef>
+            <a:effectRef idx="0">
+              <a:schemeClr val="dk1"/>
+            </a:effectRef>
+            <a:fontRef idx="minor">
+              <a:schemeClr val="lt1"/>
+            </a:fontRef>
+          </p:style>
+          <p:txBody>
+            <a:bodyPr rtlCol="0" anchor="ctr"/>
+            <a:lstStyle/>
+            <a:p>
+              <a:pPr algn="ctr"/>
+              <a:endParaRPr lang="en-US"/>
+            </a:p>
+          </p:txBody>
+        </p:sp>
+        <p:cxnSp>
+          <p:nvCxnSpPr>
+            <p:cNvPr id="13" name="Straight Connector 12">
+              <a:extLst>
+                <a:ext uri="{FF2B5EF4-FFF2-40B4-BE49-F238E27FC236}">
+                  <a16:creationId xmlns:a16="http://schemas.microsoft.com/office/drawing/2014/main" id="{DFB1D40C-B6A9-2548-8C65-705947FEBD5F}"/>
+                </a:ext>
+              </a:extLst>
+            </p:cNvPr>
+            <p:cNvCxnSpPr/>
+            <p:nvPr/>
+          </p:nvCxnSpPr>
+          <p:spPr>
+            <a:xfrm flipH="1">
+              <a:off x="7418231" y="4281868"/>
+              <a:ext cx="231820" cy="99811"/>
+            </a:xfrm>
+            <a:prstGeom prst="line">
+              <a:avLst/>
+            </a:prstGeom>
+            <a:ln w="38100"/>
+          </p:spPr>
+          <p:style>
+            <a:lnRef idx="1">
+              <a:schemeClr val="dk1"/>
+            </a:lnRef>
+            <a:fillRef idx="0">
+              <a:schemeClr val="dk1"/>
+            </a:fillRef>
+            <a:effectRef idx="0">
+              <a:schemeClr val="dk1"/>
+            </a:effectRef>
+            <a:fontRef idx="minor">
+              <a:schemeClr val="tx1"/>
+            </a:fontRef>
+          </p:style>
+        </p:cxnSp>
+        <p:cxnSp>
+          <p:nvCxnSpPr>
+            <p:cNvPr id="14" name="Straight Connector 13">
+              <a:extLst>
+                <a:ext uri="{FF2B5EF4-FFF2-40B4-BE49-F238E27FC236}">
+                  <a16:creationId xmlns:a16="http://schemas.microsoft.com/office/drawing/2014/main" id="{6450DFEE-4766-8246-A149-205CF1C943D6}"/>
+                </a:ext>
+              </a:extLst>
+            </p:cNvPr>
+            <p:cNvCxnSpPr>
+              <a:cxnSpLocks/>
+            </p:cNvCxnSpPr>
+            <p:nvPr/>
+          </p:nvCxnSpPr>
+          <p:spPr>
+            <a:xfrm flipH="1" flipV="1">
+              <a:off x="7650051" y="4281868"/>
+              <a:ext cx="152400" cy="152400"/>
+            </a:xfrm>
+            <a:prstGeom prst="line">
+              <a:avLst/>
+            </a:prstGeom>
+            <a:ln w="38100"/>
+          </p:spPr>
+          <p:style>
+            <a:lnRef idx="1">
+              <a:schemeClr val="dk1"/>
+            </a:lnRef>
+            <a:fillRef idx="0">
+              <a:schemeClr val="dk1"/>
+            </a:fillRef>
+            <a:effectRef idx="0">
+              <a:schemeClr val="dk1"/>
+            </a:effectRef>
+            <a:fontRef idx="minor">
+              <a:schemeClr val="tx1"/>
+            </a:fontRef>
+          </p:style>
+        </p:cxnSp>
+        <p:cxnSp>
+          <p:nvCxnSpPr>
+            <p:cNvPr id="16" name="Straight Connector 15">
+              <a:extLst>
+                <a:ext uri="{FF2B5EF4-FFF2-40B4-BE49-F238E27FC236}">
+                  <a16:creationId xmlns:a16="http://schemas.microsoft.com/office/drawing/2014/main" id="{BEE7CB75-55D8-4C4B-BCC4-0535AAAEDD96}"/>
+                </a:ext>
+              </a:extLst>
+            </p:cNvPr>
+            <p:cNvCxnSpPr>
+              <a:cxnSpLocks/>
+            </p:cNvCxnSpPr>
+            <p:nvPr/>
+          </p:nvCxnSpPr>
+          <p:spPr>
+            <a:xfrm flipH="1" flipV="1">
+              <a:off x="7650051" y="4730125"/>
+              <a:ext cx="37564" cy="244340"/>
+            </a:xfrm>
+            <a:prstGeom prst="line">
+              <a:avLst/>
+            </a:prstGeom>
+            <a:ln w="38100"/>
+          </p:spPr>
+          <p:style>
+            <a:lnRef idx="1">
+              <a:schemeClr val="dk1"/>
+            </a:lnRef>
+            <a:fillRef idx="0">
+              <a:schemeClr val="dk1"/>
+            </a:fillRef>
+            <a:effectRef idx="0">
+              <a:schemeClr val="dk1"/>
+            </a:effectRef>
+            <a:fontRef idx="minor">
+              <a:schemeClr val="tx1"/>
+            </a:fontRef>
+          </p:style>
+        </p:cxnSp>
+        <p:cxnSp>
+          <p:nvCxnSpPr>
+            <p:cNvPr id="17" name="Straight Connector 16">
+              <a:extLst>
+                <a:ext uri="{FF2B5EF4-FFF2-40B4-BE49-F238E27FC236}">
+                  <a16:creationId xmlns:a16="http://schemas.microsoft.com/office/drawing/2014/main" id="{0CE7AB69-5B03-F049-9EB2-7CFFC837249E}"/>
+                </a:ext>
+              </a:extLst>
+            </p:cNvPr>
+            <p:cNvCxnSpPr>
+              <a:cxnSpLocks/>
+            </p:cNvCxnSpPr>
+            <p:nvPr/>
+          </p:nvCxnSpPr>
+          <p:spPr>
+            <a:xfrm flipH="1">
+              <a:off x="7687615" y="4974465"/>
+              <a:ext cx="234054" cy="0"/>
+            </a:xfrm>
+            <a:prstGeom prst="line">
+              <a:avLst/>
+            </a:prstGeom>
+            <a:ln w="38100"/>
+          </p:spPr>
+          <p:style>
+            <a:lnRef idx="1">
+              <a:schemeClr val="dk1"/>
+            </a:lnRef>
+            <a:fillRef idx="0">
+              <a:schemeClr val="dk1"/>
+            </a:fillRef>
+            <a:effectRef idx="0">
+              <a:schemeClr val="dk1"/>
+            </a:effectRef>
+            <a:fontRef idx="minor">
+              <a:schemeClr val="tx1"/>
+            </a:fontRef>
+          </p:style>
+        </p:cxnSp>
+      </p:grpSp>
+    </p:spTree>
+    <p:extLst>
+      <p:ext uri="{BB962C8B-B14F-4D97-AF65-F5344CB8AC3E}">
+        <p14:creationId xmlns:p14="http://schemas.microsoft.com/office/powerpoint/2010/main" val="2512226205"/>
+      </p:ext>
+    </p:extLst>
+  </p:cSld>
+  <p:clrMapOvr>
+    <a:masterClrMapping/>
+  </p:clrMapOvr>
+</p:sld>
+</file>
+
 <file path=ppt/theme/theme1.xml><?xml version="1.0" encoding="utf-8"?>
 <a:theme xmlns:a="http://schemas.openxmlformats.org/drawingml/2006/main" name="Office Theme">
   <a:themeElements>

--- a/images/coordinate_grids/Presentation1.pptx
+++ b/images/coordinate_grids/Presentation1.pptx
@@ -12,6 +12,7 @@
     <p:sldId id="260" r:id="rId6"/>
     <p:sldId id="261" r:id="rId7"/>
     <p:sldId id="262" r:id="rId8"/>
+    <p:sldId id="263" r:id="rId9"/>
   </p:sldIdLst>
   <p:sldSz cx="12192000" cy="6858000"/>
   <p:notesSz cx="6858000" cy="9144000"/>
@@ -122,6 +123,7 @@
             <p14:sldId id="260"/>
             <p14:sldId id="261"/>
             <p14:sldId id="262"/>
+            <p14:sldId id="263"/>
           </p14:sldIdLst>
         </p14:section>
       </p14:sectionLst>
@@ -6709,6 +6711,805 @@
 </p:sld>
 </file>
 
+<file path=ppt/slides/slide8.xml><?xml version="1.0" encoding="utf-8"?>
+<p:sld xmlns:a="http://schemas.openxmlformats.org/drawingml/2006/main" xmlns:r="http://schemas.openxmlformats.org/officeDocument/2006/relationships" xmlns:p="http://schemas.openxmlformats.org/presentationml/2006/main">
+  <p:cSld>
+    <p:spTree>
+      <p:nvGrpSpPr>
+        <p:cNvPr id="1" name=""/>
+        <p:cNvGrpSpPr/>
+        <p:nvPr/>
+      </p:nvGrpSpPr>
+      <p:grpSpPr>
+        <a:xfrm>
+          <a:off x="0" y="0"/>
+          <a:ext cx="0" cy="0"/>
+          <a:chOff x="0" y="0"/>
+          <a:chExt cx="0" cy="0"/>
+        </a:xfrm>
+      </p:grpSpPr>
+      <p:grpSp>
+        <p:nvGrpSpPr>
+          <p:cNvPr id="37" name="Group 36">
+            <a:extLst>
+              <a:ext uri="{FF2B5EF4-FFF2-40B4-BE49-F238E27FC236}">
+                <a16:creationId xmlns:a16="http://schemas.microsoft.com/office/drawing/2014/main" id="{5FA0E850-74EB-7F4D-A116-9EB3FA5214E2}"/>
+              </a:ext>
+            </a:extLst>
+          </p:cNvPr>
+          <p:cNvGrpSpPr/>
+          <p:nvPr/>
+        </p:nvGrpSpPr>
+        <p:grpSpPr>
+          <a:xfrm>
+            <a:off x="467934" y="2172451"/>
+            <a:ext cx="11508167" cy="3230236"/>
+            <a:chOff x="467934" y="2172451"/>
+            <a:chExt cx="11508167" cy="3230236"/>
+          </a:xfrm>
+        </p:grpSpPr>
+        <p:pic>
+          <p:nvPicPr>
+            <p:cNvPr id="8" name="Picture 7">
+              <a:extLst>
+                <a:ext uri="{FF2B5EF4-FFF2-40B4-BE49-F238E27FC236}">
+                  <a16:creationId xmlns:a16="http://schemas.microsoft.com/office/drawing/2014/main" id="{354E6BD1-6F66-644F-AD07-C01F0B0342FD}"/>
+                </a:ext>
+              </a:extLst>
+            </p:cNvPr>
+            <p:cNvPicPr>
+              <a:picLocks noChangeAspect="1"/>
+            </p:cNvPicPr>
+            <p:nvPr/>
+          </p:nvPicPr>
+          <p:blipFill>
+            <a:blip r:embed="rId2"/>
+            <a:stretch>
+              <a:fillRect/>
+            </a:stretch>
+          </p:blipFill>
+          <p:spPr>
+            <a:xfrm>
+              <a:off x="467934" y="2202287"/>
+              <a:ext cx="3200400" cy="3200400"/>
+            </a:xfrm>
+            <a:prstGeom prst="rect">
+              <a:avLst/>
+            </a:prstGeom>
+          </p:spPr>
+        </p:pic>
+        <p:pic>
+          <p:nvPicPr>
+            <p:cNvPr id="10" name="Picture 9">
+              <a:extLst>
+                <a:ext uri="{FF2B5EF4-FFF2-40B4-BE49-F238E27FC236}">
+                  <a16:creationId xmlns:a16="http://schemas.microsoft.com/office/drawing/2014/main" id="{AEAEAD8C-B88F-8745-81FA-01F11058D461}"/>
+                </a:ext>
+              </a:extLst>
+            </p:cNvPr>
+            <p:cNvPicPr>
+              <a:picLocks noChangeAspect="1"/>
+            </p:cNvPicPr>
+            <p:nvPr/>
+          </p:nvPicPr>
+          <p:blipFill>
+            <a:blip r:embed="rId3"/>
+            <a:stretch>
+              <a:fillRect/>
+            </a:stretch>
+          </p:blipFill>
+          <p:spPr>
+            <a:xfrm>
+              <a:off x="4651421" y="2202287"/>
+              <a:ext cx="3200400" cy="3200400"/>
+            </a:xfrm>
+            <a:prstGeom prst="rect">
+              <a:avLst/>
+            </a:prstGeom>
+          </p:spPr>
+        </p:pic>
+        <p:cxnSp>
+          <p:nvCxnSpPr>
+            <p:cNvPr id="12" name="Straight Connector 11">
+              <a:extLst>
+                <a:ext uri="{FF2B5EF4-FFF2-40B4-BE49-F238E27FC236}">
+                  <a16:creationId xmlns:a16="http://schemas.microsoft.com/office/drawing/2014/main" id="{0F5FC347-59D3-0C4E-8140-32CFE1DD8050}"/>
+                </a:ext>
+              </a:extLst>
+            </p:cNvPr>
+            <p:cNvCxnSpPr/>
+            <p:nvPr/>
+          </p:nvCxnSpPr>
+          <p:spPr>
+            <a:xfrm>
+              <a:off x="3928056" y="3802487"/>
+              <a:ext cx="425003" cy="0"/>
+            </a:xfrm>
+            <a:prstGeom prst="line">
+              <a:avLst/>
+            </a:prstGeom>
+            <a:ln w="38100"/>
+          </p:spPr>
+          <p:style>
+            <a:lnRef idx="1">
+              <a:schemeClr val="dk1"/>
+            </a:lnRef>
+            <a:fillRef idx="0">
+              <a:schemeClr val="dk1"/>
+            </a:fillRef>
+            <a:effectRef idx="0">
+              <a:schemeClr val="dk1"/>
+            </a:effectRef>
+            <a:fontRef idx="minor">
+              <a:schemeClr val="tx1"/>
+            </a:fontRef>
+          </p:style>
+        </p:cxnSp>
+        <p:cxnSp>
+          <p:nvCxnSpPr>
+            <p:cNvPr id="13" name="Straight Connector 12">
+              <a:extLst>
+                <a:ext uri="{FF2B5EF4-FFF2-40B4-BE49-F238E27FC236}">
+                  <a16:creationId xmlns:a16="http://schemas.microsoft.com/office/drawing/2014/main" id="{8994A79E-EE9B-EC4B-8F56-2EF339163C5E}"/>
+                </a:ext>
+              </a:extLst>
+            </p:cNvPr>
+            <p:cNvCxnSpPr/>
+            <p:nvPr/>
+          </p:nvCxnSpPr>
+          <p:spPr>
+            <a:xfrm>
+              <a:off x="8111543" y="3594279"/>
+              <a:ext cx="425003" cy="0"/>
+            </a:xfrm>
+            <a:prstGeom prst="line">
+              <a:avLst/>
+            </a:prstGeom>
+            <a:ln w="38100"/>
+          </p:spPr>
+          <p:style>
+            <a:lnRef idx="1">
+              <a:schemeClr val="dk1"/>
+            </a:lnRef>
+            <a:fillRef idx="0">
+              <a:schemeClr val="dk1"/>
+            </a:fillRef>
+            <a:effectRef idx="0">
+              <a:schemeClr val="dk1"/>
+            </a:effectRef>
+            <a:fontRef idx="minor">
+              <a:schemeClr val="tx1"/>
+            </a:fontRef>
+          </p:style>
+        </p:cxnSp>
+        <p:cxnSp>
+          <p:nvCxnSpPr>
+            <p:cNvPr id="14" name="Straight Connector 13">
+              <a:extLst>
+                <a:ext uri="{FF2B5EF4-FFF2-40B4-BE49-F238E27FC236}">
+                  <a16:creationId xmlns:a16="http://schemas.microsoft.com/office/drawing/2014/main" id="{CC6326DC-650A-4243-A32D-EFC7AEE18090}"/>
+                </a:ext>
+              </a:extLst>
+            </p:cNvPr>
+            <p:cNvCxnSpPr/>
+            <p:nvPr/>
+          </p:nvCxnSpPr>
+          <p:spPr>
+            <a:xfrm>
+              <a:off x="8128714" y="3802487"/>
+              <a:ext cx="425003" cy="0"/>
+            </a:xfrm>
+            <a:prstGeom prst="line">
+              <a:avLst/>
+            </a:prstGeom>
+            <a:ln w="38100"/>
+          </p:spPr>
+          <p:style>
+            <a:lnRef idx="1">
+              <a:schemeClr val="dk1"/>
+            </a:lnRef>
+            <a:fillRef idx="0">
+              <a:schemeClr val="dk1"/>
+            </a:fillRef>
+            <a:effectRef idx="0">
+              <a:schemeClr val="dk1"/>
+            </a:effectRef>
+            <a:fontRef idx="minor">
+              <a:schemeClr val="tx1"/>
+            </a:fontRef>
+          </p:style>
+        </p:cxnSp>
+        <p:sp>
+          <p:nvSpPr>
+            <p:cNvPr id="15" name="Oval 14">
+              <a:extLst>
+                <a:ext uri="{FF2B5EF4-FFF2-40B4-BE49-F238E27FC236}">
+                  <a16:creationId xmlns:a16="http://schemas.microsoft.com/office/drawing/2014/main" id="{CA8FAFB1-C161-764B-966C-EE810189046E}"/>
+                </a:ext>
+              </a:extLst>
+            </p:cNvPr>
+            <p:cNvSpPr>
+              <a:spLocks noChangeAspect="1"/>
+            </p:cNvSpPr>
+            <p:nvPr/>
+          </p:nvSpPr>
+          <p:spPr>
+            <a:xfrm>
+              <a:off x="2022414" y="3756767"/>
+              <a:ext cx="91440" cy="91440"/>
+            </a:xfrm>
+            <a:prstGeom prst="ellipse">
+              <a:avLst/>
+            </a:prstGeom>
+          </p:spPr>
+          <p:style>
+            <a:lnRef idx="2">
+              <a:schemeClr val="dk1">
+                <a:shade val="50000"/>
+              </a:schemeClr>
+            </a:lnRef>
+            <a:fillRef idx="1">
+              <a:schemeClr val="dk1"/>
+            </a:fillRef>
+            <a:effectRef idx="0">
+              <a:schemeClr val="dk1"/>
+            </a:effectRef>
+            <a:fontRef idx="minor">
+              <a:schemeClr val="lt1"/>
+            </a:fontRef>
+          </p:style>
+          <p:txBody>
+            <a:bodyPr rtlCol="0" anchor="ctr"/>
+            <a:lstStyle/>
+            <a:p>
+              <a:pPr algn="ctr"/>
+              <a:endParaRPr lang="en-US"/>
+            </a:p>
+          </p:txBody>
+        </p:sp>
+        <p:sp>
+          <p:nvSpPr>
+            <p:cNvPr id="16" name="Oval 15">
+              <a:extLst>
+                <a:ext uri="{FF2B5EF4-FFF2-40B4-BE49-F238E27FC236}">
+                  <a16:creationId xmlns:a16="http://schemas.microsoft.com/office/drawing/2014/main" id="{F119CED9-A110-7346-A739-1CCC94C4B556}"/>
+                </a:ext>
+              </a:extLst>
+            </p:cNvPr>
+            <p:cNvSpPr>
+              <a:spLocks noChangeAspect="1"/>
+            </p:cNvSpPr>
+            <p:nvPr/>
+          </p:nvSpPr>
+          <p:spPr>
+            <a:xfrm>
+              <a:off x="6205901" y="3756767"/>
+              <a:ext cx="91440" cy="91440"/>
+            </a:xfrm>
+            <a:prstGeom prst="ellipse">
+              <a:avLst/>
+            </a:prstGeom>
+          </p:spPr>
+          <p:style>
+            <a:lnRef idx="2">
+              <a:schemeClr val="dk1">
+                <a:shade val="50000"/>
+              </a:schemeClr>
+            </a:lnRef>
+            <a:fillRef idx="1">
+              <a:schemeClr val="dk1"/>
+            </a:fillRef>
+            <a:effectRef idx="0">
+              <a:schemeClr val="dk1"/>
+            </a:effectRef>
+            <a:fontRef idx="minor">
+              <a:schemeClr val="lt1"/>
+            </a:fontRef>
+          </p:style>
+          <p:txBody>
+            <a:bodyPr rtlCol="0" anchor="ctr"/>
+            <a:lstStyle/>
+            <a:p>
+              <a:pPr algn="ctr"/>
+              <a:endParaRPr lang="en-US"/>
+            </a:p>
+          </p:txBody>
+        </p:sp>
+        <p:sp>
+          <p:nvSpPr>
+            <p:cNvPr id="17" name="Oval 16">
+              <a:extLst>
+                <a:ext uri="{FF2B5EF4-FFF2-40B4-BE49-F238E27FC236}">
+                  <a16:creationId xmlns:a16="http://schemas.microsoft.com/office/drawing/2014/main" id="{4491AFE1-DECC-E344-BD85-68B13F3893D3}"/>
+                </a:ext>
+              </a:extLst>
+            </p:cNvPr>
+            <p:cNvSpPr>
+              <a:spLocks noChangeAspect="1"/>
+            </p:cNvSpPr>
+            <p:nvPr/>
+          </p:nvSpPr>
+          <p:spPr>
+            <a:xfrm>
+              <a:off x="7169670" y="2492491"/>
+              <a:ext cx="91440" cy="91440"/>
+            </a:xfrm>
+            <a:prstGeom prst="ellipse">
+              <a:avLst/>
+            </a:prstGeom>
+          </p:spPr>
+          <p:style>
+            <a:lnRef idx="2">
+              <a:schemeClr val="dk1">
+                <a:shade val="50000"/>
+              </a:schemeClr>
+            </a:lnRef>
+            <a:fillRef idx="1">
+              <a:schemeClr val="dk1"/>
+            </a:fillRef>
+            <a:effectRef idx="0">
+              <a:schemeClr val="dk1"/>
+            </a:effectRef>
+            <a:fontRef idx="minor">
+              <a:schemeClr val="lt1"/>
+            </a:fontRef>
+          </p:style>
+          <p:txBody>
+            <a:bodyPr rtlCol="0" anchor="ctr"/>
+            <a:lstStyle/>
+            <a:p>
+              <a:pPr algn="ctr"/>
+              <a:endParaRPr lang="en-US"/>
+            </a:p>
+          </p:txBody>
+        </p:sp>
+        <p:sp>
+          <p:nvSpPr>
+            <p:cNvPr id="18" name="Oval 17">
+              <a:extLst>
+                <a:ext uri="{FF2B5EF4-FFF2-40B4-BE49-F238E27FC236}">
+                  <a16:creationId xmlns:a16="http://schemas.microsoft.com/office/drawing/2014/main" id="{14350DD6-8133-EF41-8D57-88970A2F2FC6}"/>
+                </a:ext>
+              </a:extLst>
+            </p:cNvPr>
+            <p:cNvSpPr>
+              <a:spLocks noChangeAspect="1"/>
+            </p:cNvSpPr>
+            <p:nvPr/>
+          </p:nvSpPr>
+          <p:spPr>
+            <a:xfrm>
+              <a:off x="2994769" y="2538211"/>
+              <a:ext cx="91440" cy="91440"/>
+            </a:xfrm>
+            <a:prstGeom prst="ellipse">
+              <a:avLst/>
+            </a:prstGeom>
+          </p:spPr>
+          <p:style>
+            <a:lnRef idx="2">
+              <a:schemeClr val="dk1">
+                <a:shade val="50000"/>
+              </a:schemeClr>
+            </a:lnRef>
+            <a:fillRef idx="1">
+              <a:schemeClr val="dk1"/>
+            </a:fillRef>
+            <a:effectRef idx="0">
+              <a:schemeClr val="dk1"/>
+            </a:effectRef>
+            <a:fontRef idx="minor">
+              <a:schemeClr val="lt1"/>
+            </a:fontRef>
+          </p:style>
+          <p:txBody>
+            <a:bodyPr rtlCol="0" anchor="ctr"/>
+            <a:lstStyle/>
+            <a:p>
+              <a:pPr algn="ctr"/>
+              <a:endParaRPr lang="en-US"/>
+            </a:p>
+          </p:txBody>
+        </p:sp>
+        <p:sp>
+          <p:nvSpPr>
+            <p:cNvPr id="19" name="Oval 18">
+              <a:extLst>
+                <a:ext uri="{FF2B5EF4-FFF2-40B4-BE49-F238E27FC236}">
+                  <a16:creationId xmlns:a16="http://schemas.microsoft.com/office/drawing/2014/main" id="{BDD691A3-A719-9B4B-97C3-879750215186}"/>
+                </a:ext>
+              </a:extLst>
+            </p:cNvPr>
+            <p:cNvSpPr>
+              <a:spLocks noChangeAspect="1"/>
+            </p:cNvSpPr>
+            <p:nvPr/>
+          </p:nvSpPr>
+          <p:spPr>
+            <a:xfrm>
+              <a:off x="9897845" y="3711047"/>
+              <a:ext cx="91440" cy="91440"/>
+            </a:xfrm>
+            <a:prstGeom prst="ellipse">
+              <a:avLst/>
+            </a:prstGeom>
+          </p:spPr>
+          <p:style>
+            <a:lnRef idx="2">
+              <a:schemeClr val="dk1">
+                <a:shade val="50000"/>
+              </a:schemeClr>
+            </a:lnRef>
+            <a:fillRef idx="1">
+              <a:schemeClr val="dk1"/>
+            </a:fillRef>
+            <a:effectRef idx="0">
+              <a:schemeClr val="dk1"/>
+            </a:effectRef>
+            <a:fontRef idx="minor">
+              <a:schemeClr val="lt1"/>
+            </a:fontRef>
+          </p:style>
+          <p:txBody>
+            <a:bodyPr rtlCol="0" anchor="ctr"/>
+            <a:lstStyle/>
+            <a:p>
+              <a:pPr algn="ctr"/>
+              <a:endParaRPr lang="en-US"/>
+            </a:p>
+          </p:txBody>
+        </p:sp>
+        <p:sp>
+          <p:nvSpPr>
+            <p:cNvPr id="20" name="Oval 19">
+              <a:extLst>
+                <a:ext uri="{FF2B5EF4-FFF2-40B4-BE49-F238E27FC236}">
+                  <a16:creationId xmlns:a16="http://schemas.microsoft.com/office/drawing/2014/main" id="{71C043F2-F1E3-314B-80E6-4689678FE5F0}"/>
+                </a:ext>
+              </a:extLst>
+            </p:cNvPr>
+            <p:cNvSpPr>
+              <a:spLocks noChangeAspect="1"/>
+            </p:cNvSpPr>
+            <p:nvPr/>
+          </p:nvSpPr>
+          <p:spPr>
+            <a:xfrm>
+              <a:off x="11018307" y="2492491"/>
+              <a:ext cx="91440" cy="91440"/>
+            </a:xfrm>
+            <a:prstGeom prst="ellipse">
+              <a:avLst/>
+            </a:prstGeom>
+          </p:spPr>
+          <p:style>
+            <a:lnRef idx="2">
+              <a:schemeClr val="dk1">
+                <a:shade val="50000"/>
+              </a:schemeClr>
+            </a:lnRef>
+            <a:fillRef idx="1">
+              <a:schemeClr val="dk1"/>
+            </a:fillRef>
+            <a:effectRef idx="0">
+              <a:schemeClr val="dk1"/>
+            </a:effectRef>
+            <a:fontRef idx="minor">
+              <a:schemeClr val="lt1"/>
+            </a:fontRef>
+          </p:style>
+          <p:txBody>
+            <a:bodyPr rtlCol="0" anchor="ctr"/>
+            <a:lstStyle/>
+            <a:p>
+              <a:pPr algn="ctr"/>
+              <a:endParaRPr lang="en-US"/>
+            </a:p>
+          </p:txBody>
+        </p:sp>
+        <p:pic>
+          <p:nvPicPr>
+            <p:cNvPr id="21" name="Picture 20">
+              <a:extLst>
+                <a:ext uri="{FF2B5EF4-FFF2-40B4-BE49-F238E27FC236}">
+                  <a16:creationId xmlns:a16="http://schemas.microsoft.com/office/drawing/2014/main" id="{DB2CBC31-9C56-3A4F-9FD9-F0D6A383FADA}"/>
+                </a:ext>
+              </a:extLst>
+            </p:cNvPr>
+            <p:cNvPicPr>
+              <a:picLocks noChangeAspect="1"/>
+            </p:cNvPicPr>
+            <p:nvPr/>
+          </p:nvPicPr>
+          <p:blipFill>
+            <a:blip r:embed="rId4"/>
+            <a:stretch>
+              <a:fillRect/>
+            </a:stretch>
+          </p:blipFill>
+          <p:spPr>
+            <a:xfrm>
+              <a:off x="2641728" y="2521701"/>
+              <a:ext cx="317500" cy="215900"/>
+            </a:xfrm>
+            <a:prstGeom prst="rect">
+              <a:avLst/>
+            </a:prstGeom>
+          </p:spPr>
+        </p:pic>
+        <p:pic>
+          <p:nvPicPr>
+            <p:cNvPr id="24" name="Picture 23">
+              <a:extLst>
+                <a:ext uri="{FF2B5EF4-FFF2-40B4-BE49-F238E27FC236}">
+                  <a16:creationId xmlns:a16="http://schemas.microsoft.com/office/drawing/2014/main" id="{06A2B85B-2BB3-F742-8B69-22648135AC87}"/>
+                </a:ext>
+              </a:extLst>
+            </p:cNvPr>
+            <p:cNvPicPr>
+              <a:picLocks noChangeAspect="1"/>
+            </p:cNvPicPr>
+            <p:nvPr/>
+          </p:nvPicPr>
+          <p:blipFill>
+            <a:blip r:embed="rId5"/>
+            <a:stretch>
+              <a:fillRect/>
+            </a:stretch>
+          </p:blipFill>
+          <p:spPr>
+            <a:xfrm>
+              <a:off x="11323125" y="2796021"/>
+              <a:ext cx="215900" cy="215900"/>
+            </a:xfrm>
+            <a:prstGeom prst="rect">
+              <a:avLst/>
+            </a:prstGeom>
+          </p:spPr>
+        </p:pic>
+        <p:pic>
+          <p:nvPicPr>
+            <p:cNvPr id="25" name="Picture 24">
+              <a:extLst>
+                <a:ext uri="{FF2B5EF4-FFF2-40B4-BE49-F238E27FC236}">
+                  <a16:creationId xmlns:a16="http://schemas.microsoft.com/office/drawing/2014/main" id="{5DF4B5A2-5E13-F542-90A1-EC46B75D45F7}"/>
+                </a:ext>
+              </a:extLst>
+            </p:cNvPr>
+            <p:cNvPicPr>
+              <a:picLocks noChangeAspect="1"/>
+            </p:cNvPicPr>
+            <p:nvPr/>
+          </p:nvPicPr>
+          <p:blipFill>
+            <a:blip r:embed="rId6"/>
+            <a:stretch>
+              <a:fillRect/>
+            </a:stretch>
+          </p:blipFill>
+          <p:spPr>
+            <a:xfrm>
+              <a:off x="1797749" y="3872265"/>
+              <a:ext cx="203200" cy="330200"/>
+            </a:xfrm>
+            <a:prstGeom prst="rect">
+              <a:avLst/>
+            </a:prstGeom>
+          </p:spPr>
+        </p:pic>
+        <p:sp>
+          <p:nvSpPr>
+            <p:cNvPr id="27" name="Oval 26">
+              <a:extLst>
+                <a:ext uri="{FF2B5EF4-FFF2-40B4-BE49-F238E27FC236}">
+                  <a16:creationId xmlns:a16="http://schemas.microsoft.com/office/drawing/2014/main" id="{ED87AFA0-95B0-5040-8CB2-E67883E9D4B9}"/>
+                </a:ext>
+              </a:extLst>
+            </p:cNvPr>
+            <p:cNvSpPr>
+              <a:spLocks noChangeAspect="1"/>
+            </p:cNvSpPr>
+            <p:nvPr/>
+          </p:nvSpPr>
+          <p:spPr>
+            <a:xfrm>
+              <a:off x="10696979" y="2172451"/>
+              <a:ext cx="734096" cy="731520"/>
+            </a:xfrm>
+            <a:prstGeom prst="ellipse">
+              <a:avLst/>
+            </a:prstGeom>
+            <a:noFill/>
+          </p:spPr>
+          <p:style>
+            <a:lnRef idx="2">
+              <a:schemeClr val="dk1">
+                <a:shade val="50000"/>
+              </a:schemeClr>
+            </a:lnRef>
+            <a:fillRef idx="1">
+              <a:schemeClr val="dk1"/>
+            </a:fillRef>
+            <a:effectRef idx="0">
+              <a:schemeClr val="dk1"/>
+            </a:effectRef>
+            <a:fontRef idx="minor">
+              <a:schemeClr val="lt1"/>
+            </a:fontRef>
+          </p:style>
+          <p:txBody>
+            <a:bodyPr rtlCol="0" anchor="ctr"/>
+            <a:lstStyle/>
+            <a:p>
+              <a:pPr algn="ctr"/>
+              <a:endParaRPr lang="en-US"/>
+            </a:p>
+          </p:txBody>
+        </p:sp>
+        <p:pic>
+          <p:nvPicPr>
+            <p:cNvPr id="28" name="Picture 27">
+              <a:extLst>
+                <a:ext uri="{FF2B5EF4-FFF2-40B4-BE49-F238E27FC236}">
+                  <a16:creationId xmlns:a16="http://schemas.microsoft.com/office/drawing/2014/main" id="{193B6059-7F1C-E847-B301-817751D240FA}"/>
+                </a:ext>
+              </a:extLst>
+            </p:cNvPr>
+            <p:cNvPicPr>
+              <a:picLocks noChangeAspect="1"/>
+            </p:cNvPicPr>
+            <p:nvPr/>
+          </p:nvPicPr>
+          <p:blipFill>
+            <a:blip r:embed="rId4"/>
+            <a:stretch>
+              <a:fillRect/>
+            </a:stretch>
+          </p:blipFill>
+          <p:spPr>
+            <a:xfrm>
+              <a:off x="10792247" y="2290775"/>
+              <a:ext cx="317500" cy="215900"/>
+            </a:xfrm>
+            <a:prstGeom prst="rect">
+              <a:avLst/>
+            </a:prstGeom>
+          </p:spPr>
+        </p:pic>
+        <p:pic>
+          <p:nvPicPr>
+            <p:cNvPr id="29" name="Picture 28">
+              <a:extLst>
+                <a:ext uri="{FF2B5EF4-FFF2-40B4-BE49-F238E27FC236}">
+                  <a16:creationId xmlns:a16="http://schemas.microsoft.com/office/drawing/2014/main" id="{1BBB957D-D121-EC4B-B8DC-2F393DE656DA}"/>
+                </a:ext>
+              </a:extLst>
+            </p:cNvPr>
+            <p:cNvPicPr>
+              <a:picLocks noChangeAspect="1"/>
+            </p:cNvPicPr>
+            <p:nvPr/>
+          </p:nvPicPr>
+          <p:blipFill>
+            <a:blip r:embed="rId4"/>
+            <a:stretch>
+              <a:fillRect/>
+            </a:stretch>
+          </p:blipFill>
+          <p:spPr>
+            <a:xfrm>
+              <a:off x="7258197" y="2368031"/>
+              <a:ext cx="317500" cy="215900"/>
+            </a:xfrm>
+            <a:prstGeom prst="rect">
+              <a:avLst/>
+            </a:prstGeom>
+          </p:spPr>
+        </p:pic>
+        <p:pic>
+          <p:nvPicPr>
+            <p:cNvPr id="30" name="Picture 29">
+              <a:extLst>
+                <a:ext uri="{FF2B5EF4-FFF2-40B4-BE49-F238E27FC236}">
+                  <a16:creationId xmlns:a16="http://schemas.microsoft.com/office/drawing/2014/main" id="{94035100-0CF0-D248-997E-DAEB9005A515}"/>
+                </a:ext>
+              </a:extLst>
+            </p:cNvPr>
+            <p:cNvPicPr>
+              <a:picLocks noChangeAspect="1"/>
+            </p:cNvPicPr>
+            <p:nvPr/>
+          </p:nvPicPr>
+          <p:blipFill>
+            <a:blip r:embed="rId6"/>
+            <a:stretch>
+              <a:fillRect/>
+            </a:stretch>
+          </p:blipFill>
+          <p:spPr>
+            <a:xfrm>
+              <a:off x="5980735" y="3835677"/>
+              <a:ext cx="203200" cy="330200"/>
+            </a:xfrm>
+            <a:prstGeom prst="rect">
+              <a:avLst/>
+            </a:prstGeom>
+          </p:spPr>
+        </p:pic>
+        <p:pic>
+          <p:nvPicPr>
+            <p:cNvPr id="31" name="Picture 30">
+              <a:extLst>
+                <a:ext uri="{FF2B5EF4-FFF2-40B4-BE49-F238E27FC236}">
+                  <a16:creationId xmlns:a16="http://schemas.microsoft.com/office/drawing/2014/main" id="{2DA48EDB-3F3F-E142-B9AE-9955345723B9}"/>
+                </a:ext>
+              </a:extLst>
+            </p:cNvPr>
+            <p:cNvPicPr>
+              <a:picLocks noChangeAspect="1"/>
+            </p:cNvPicPr>
+            <p:nvPr/>
+          </p:nvPicPr>
+          <p:blipFill>
+            <a:blip r:embed="rId6"/>
+            <a:stretch>
+              <a:fillRect/>
+            </a:stretch>
+          </p:blipFill>
+          <p:spPr>
+            <a:xfrm>
+              <a:off x="9694645" y="3795372"/>
+              <a:ext cx="203200" cy="330200"/>
+            </a:xfrm>
+            <a:prstGeom prst="rect">
+              <a:avLst/>
+            </a:prstGeom>
+          </p:spPr>
+        </p:pic>
+        <p:pic>
+          <p:nvPicPr>
+            <p:cNvPr id="36" name="Picture 35">
+              <a:extLst>
+                <a:ext uri="{FF2B5EF4-FFF2-40B4-BE49-F238E27FC236}">
+                  <a16:creationId xmlns:a16="http://schemas.microsoft.com/office/drawing/2014/main" id="{902655AC-640C-774F-989A-D34E1E8591DF}"/>
+                </a:ext>
+              </a:extLst>
+            </p:cNvPr>
+            <p:cNvPicPr>
+              <a:picLocks noChangeAspect="1"/>
+            </p:cNvPicPr>
+            <p:nvPr/>
+          </p:nvPicPr>
+          <p:blipFill>
+            <a:blip r:embed="rId7"/>
+            <a:stretch>
+              <a:fillRect/>
+            </a:stretch>
+          </p:blipFill>
+          <p:spPr>
+            <a:xfrm>
+              <a:off x="8834908" y="5165952"/>
+              <a:ext cx="3141193" cy="183180"/>
+            </a:xfrm>
+            <a:prstGeom prst="rect">
+              <a:avLst/>
+            </a:prstGeom>
+          </p:spPr>
+        </p:pic>
+      </p:grpSp>
+    </p:spTree>
+    <p:extLst>
+      <p:ext uri="{BB962C8B-B14F-4D97-AF65-F5344CB8AC3E}">
+        <p14:creationId xmlns:p14="http://schemas.microsoft.com/office/powerpoint/2010/main" val="1929888884"/>
+      </p:ext>
+    </p:extLst>
+  </p:cSld>
+  <p:clrMapOvr>
+    <a:masterClrMapping/>
+  </p:clrMapOvr>
+</p:sld>
+</file>
+
 <file path=ppt/theme/theme1.xml><?xml version="1.0" encoding="utf-8"?>
 <a:theme xmlns:a="http://schemas.openxmlformats.org/drawingml/2006/main" name="Office Theme">
   <a:themeElements>
